--- a/docs/Crawler and Text Analysis.pptx
+++ b/docs/Crawler and Text Analysis.pptx
@@ -246,7 +246,7 @@
           <a:p>
             <a:fld id="{ED5E8180-C81D-491A-B3F1-67F723A04C88}" type="datetimeFigureOut">
               <a:rPr lang="en-US" smtClean="0"/>
-              <a:t>9/1/2015</a:t>
+              <a:t>9/2/2015</a:t>
             </a:fld>
             <a:endParaRPr lang="en-US"/>
           </a:p>
@@ -9968,15 +9968,7 @@
             <a:p>
               <a:r>
                 <a:rPr lang="en-US" dirty="0" smtClean="0"/>
-                <a:t>Word-document </a:t>
-              </a:r>
-              <a:r>
-                <a:rPr lang="en-US" dirty="0" smtClean="0"/>
-                <a:t>adjacency </a:t>
-              </a:r>
-              <a:r>
-                <a:rPr lang="en-US" dirty="0" smtClean="0"/>
-                <a:t>matrix</a:t>
+                <a:t>Word-document adjacency matrix</a:t>
               </a:r>
               <a:endParaRPr lang="en-US" dirty="0"/>
             </a:p>
@@ -12967,7 +12959,19 @@
               <a:rPr lang="en-US" altLang="en-US" dirty="0">
                 <a:cs typeface="Arial" charset="0"/>
               </a:rPr>
-              <a:t>Works well when the user wants to explore information or doesn’t know what keywords to use, or can’t conveniently enter a query </a:t>
+              <a:t>Works well when the user wants to explore information or doesn’t know what keywords to use, or </a:t>
+            </a:r>
+            <a:r>
+              <a:rPr lang="en-US" altLang="en-US" dirty="0" smtClean="0">
+                <a:cs typeface="Arial" charset="0"/>
+              </a:rPr>
+              <a:t>cannot </a:t>
+            </a:r>
+            <a:r>
+              <a:rPr lang="en-US" altLang="en-US" dirty="0">
+                <a:cs typeface="Arial" charset="0"/>
+              </a:rPr>
+              <a:t>conveniently enter a query </a:t>
             </a:r>
             <a:endParaRPr lang="en-US" altLang="en-US" dirty="0" smtClean="0">
               <a:cs typeface="Arial" charset="0"/>
@@ -26739,7 +26743,7 @@
                                           </p:stCondLst>
                                         </p:cTn>
                                         <p:tgtEl>
-                                          <p:spTgt spid="11"/>
+                                          <p:spTgt spid="14"/>
                                         </p:tgtEl>
                                         <p:attrNameLst>
                                           <p:attrName>style.visibility</p:attrName>
@@ -26784,7 +26788,7 @@
                                           </p:stCondLst>
                                         </p:cTn>
                                         <p:tgtEl>
-                                          <p:spTgt spid="14"/>
+                                          <p:spTgt spid="11"/>
                                         </p:tgtEl>
                                         <p:attrNameLst>
                                           <p:attrName>style.visibility</p:attrName>

--- a/docs/Crawler and Text Analysis.pptx
+++ b/docs/Crawler and Text Analysis.pptx
@@ -5,7 +5,7 @@
     <p:sldMasterId id="2147483648" r:id="rId1"/>
   </p:sldMasterIdLst>
   <p:notesMasterIdLst>
-    <p:notesMasterId r:id="rId41"/>
+    <p:notesMasterId r:id="rId48"/>
   </p:notesMasterIdLst>
   <p:sldIdLst>
     <p:sldId id="256" r:id="rId2"/>
@@ -35,18 +35,25 @@
     <p:sldId id="283" r:id="rId26"/>
     <p:sldId id="284" r:id="rId27"/>
     <p:sldId id="278" r:id="rId28"/>
-    <p:sldId id="279" r:id="rId29"/>
-    <p:sldId id="280" r:id="rId30"/>
-    <p:sldId id="281" r:id="rId31"/>
-    <p:sldId id="288" r:id="rId32"/>
-    <p:sldId id="276" r:id="rId33"/>
-    <p:sldId id="277" r:id="rId34"/>
-    <p:sldId id="291" r:id="rId35"/>
-    <p:sldId id="285" r:id="rId36"/>
-    <p:sldId id="286" r:id="rId37"/>
-    <p:sldId id="295" r:id="rId38"/>
-    <p:sldId id="262" r:id="rId39"/>
-    <p:sldId id="273" r:id="rId40"/>
+    <p:sldId id="296" r:id="rId29"/>
+    <p:sldId id="297" r:id="rId30"/>
+    <p:sldId id="298" r:id="rId31"/>
+    <p:sldId id="299" r:id="rId32"/>
+    <p:sldId id="300" r:id="rId33"/>
+    <p:sldId id="301" r:id="rId34"/>
+    <p:sldId id="302" r:id="rId35"/>
+    <p:sldId id="279" r:id="rId36"/>
+    <p:sldId id="280" r:id="rId37"/>
+    <p:sldId id="281" r:id="rId38"/>
+    <p:sldId id="288" r:id="rId39"/>
+    <p:sldId id="276" r:id="rId40"/>
+    <p:sldId id="277" r:id="rId41"/>
+    <p:sldId id="291" r:id="rId42"/>
+    <p:sldId id="285" r:id="rId43"/>
+    <p:sldId id="286" r:id="rId44"/>
+    <p:sldId id="295" r:id="rId45"/>
+    <p:sldId id="262" r:id="rId46"/>
+    <p:sldId id="273" r:id="rId47"/>
   </p:sldIdLst>
   <p:sldSz cx="9144000" cy="6858000" type="screen4x3"/>
   <p:notesSz cx="6858000" cy="9144000"/>
@@ -246,7 +253,7 @@
           <a:p>
             <a:fld id="{ED5E8180-C81D-491A-B3F1-67F723A04C88}" type="datetimeFigureOut">
               <a:rPr lang="en-US" smtClean="0"/>
-              <a:t>9/2/2015</a:t>
+              <a:t>9/7/2015</a:t>
             </a:fld>
             <a:endParaRPr lang="en-US"/>
           </a:p>
@@ -11389,6 +11396,2817 @@
           <a:p>
             <a:r>
               <a:rPr lang="en-US" dirty="0" smtClean="0"/>
+              <a:t>Recap: web crawling</a:t>
+            </a:r>
+            <a:endParaRPr lang="en-US" dirty="0"/>
+          </a:p>
+        </p:txBody>
+      </p:sp>
+      <p:sp>
+        <p:nvSpPr>
+          <p:cNvPr id="3" name="Content Placeholder 2"/>
+          <p:cNvSpPr>
+            <a:spLocks noGrp="1"/>
+          </p:cNvSpPr>
+          <p:nvPr>
+            <p:ph idx="1"/>
+          </p:nvPr>
+        </p:nvSpPr>
+        <p:spPr/>
+        <p:txBody>
+          <a:bodyPr/>
+          <a:lstStyle/>
+          <a:p>
+            <a:r>
+              <a:rPr lang="en-US" dirty="0" smtClean="0"/>
+              <a:t>In pseudo code</a:t>
+            </a:r>
+            <a:endParaRPr lang="en-US" dirty="0"/>
+          </a:p>
+        </p:txBody>
+      </p:sp>
+      <p:sp>
+        <p:nvSpPr>
+          <p:cNvPr id="4" name="TextBox 3"/>
+          <p:cNvSpPr txBox="1"/>
+          <p:nvPr/>
+        </p:nvSpPr>
+        <p:spPr>
+          <a:xfrm>
+            <a:off x="1447800" y="2362200"/>
+            <a:ext cx="6613236" cy="3970318"/>
+          </a:xfrm>
+          <a:prstGeom prst="rect">
+            <a:avLst/>
+          </a:prstGeom>
+          <a:noFill/>
+          <a:ln>
+            <a:solidFill>
+              <a:schemeClr val="tx1"/>
+            </a:solidFill>
+          </a:ln>
+        </p:spPr>
+        <p:txBody>
+          <a:bodyPr wrap="square" rtlCol="0">
+            <a:spAutoFit/>
+          </a:bodyPr>
+          <a:lstStyle/>
+          <a:p>
+            <a:r>
+              <a:rPr lang="en-US" dirty="0" err="1" smtClean="0"/>
+              <a:t>Def</a:t>
+            </a:r>
+            <a:r>
+              <a:rPr lang="en-US" dirty="0" smtClean="0"/>
+              <a:t> </a:t>
+            </a:r>
+            <a:r>
+              <a:rPr lang="en-US" b="1" dirty="0" smtClean="0"/>
+              <a:t>Crawler</a:t>
+            </a:r>
+            <a:r>
+              <a:rPr lang="en-US" dirty="0" smtClean="0"/>
+              <a:t>(</a:t>
+            </a:r>
+            <a:r>
+              <a:rPr lang="en-US" dirty="0" err="1" smtClean="0"/>
+              <a:t>entry_point</a:t>
+            </a:r>
+            <a:r>
+              <a:rPr lang="en-US" dirty="0" smtClean="0"/>
+              <a:t>) {</a:t>
+            </a:r>
+          </a:p>
+          <a:p>
+            <a:pPr lvl="1"/>
+            <a:r>
+              <a:rPr lang="en-US" dirty="0" err="1" smtClean="0"/>
+              <a:t>URL_list</a:t>
+            </a:r>
+            <a:r>
+              <a:rPr lang="en-US" dirty="0" smtClean="0"/>
+              <a:t> = [</a:t>
+            </a:r>
+            <a:r>
+              <a:rPr lang="en-US" dirty="0" err="1" smtClean="0"/>
+              <a:t>entry_point</a:t>
+            </a:r>
+            <a:r>
+              <a:rPr lang="en-US" dirty="0" smtClean="0"/>
+              <a:t>]</a:t>
+            </a:r>
+          </a:p>
+          <a:p>
+            <a:pPr lvl="1"/>
+            <a:r>
+              <a:rPr lang="en-US" dirty="0" smtClean="0"/>
+              <a:t>while (</a:t>
+            </a:r>
+            <a:r>
+              <a:rPr lang="en-US" dirty="0" err="1" smtClean="0"/>
+              <a:t>len</a:t>
+            </a:r>
+            <a:r>
+              <a:rPr lang="en-US" dirty="0" smtClean="0"/>
+              <a:t>(</a:t>
+            </a:r>
+            <a:r>
+              <a:rPr lang="en-US" dirty="0" err="1" smtClean="0"/>
+              <a:t>URL_list</a:t>
+            </a:r>
+            <a:r>
+              <a:rPr lang="en-US" dirty="0" smtClean="0"/>
+              <a:t>)&gt;0) {</a:t>
+            </a:r>
+          </a:p>
+          <a:p>
+            <a:pPr lvl="1"/>
+            <a:r>
+              <a:rPr lang="en-US" dirty="0"/>
+              <a:t> </a:t>
+            </a:r>
+            <a:r>
+              <a:rPr lang="en-US" dirty="0" smtClean="0"/>
+              <a:t>       URL = </a:t>
+            </a:r>
+            <a:r>
+              <a:rPr lang="en-US" dirty="0" err="1" smtClean="0"/>
+              <a:t>URL_list.pop</a:t>
+            </a:r>
+            <a:r>
+              <a:rPr lang="en-US" dirty="0" smtClean="0"/>
+              <a:t>();</a:t>
+            </a:r>
+          </a:p>
+          <a:p>
+            <a:pPr lvl="1"/>
+            <a:r>
+              <a:rPr lang="en-US" dirty="0"/>
+              <a:t> </a:t>
+            </a:r>
+            <a:r>
+              <a:rPr lang="en-US" dirty="0" smtClean="0"/>
+              <a:t>       </a:t>
+            </a:r>
+            <a:r>
+              <a:rPr lang="en-US" dirty="0"/>
+              <a:t>i</a:t>
+            </a:r>
+            <a:r>
+              <a:rPr lang="en-US" dirty="0" smtClean="0"/>
+              <a:t>f (</a:t>
+            </a:r>
+            <a:r>
+              <a:rPr lang="en-US" b="1" dirty="0" err="1" smtClean="0"/>
+              <a:t>isVisited</a:t>
+            </a:r>
+            <a:r>
+              <a:rPr lang="en-US" dirty="0" smtClean="0"/>
+              <a:t>(URL) or !</a:t>
+            </a:r>
+            <a:r>
+              <a:rPr lang="en-US" b="1" dirty="0" err="1" smtClean="0"/>
+              <a:t>isLegal</a:t>
+            </a:r>
+            <a:r>
+              <a:rPr lang="en-US" dirty="0" smtClean="0"/>
+              <a:t>(URL) or !</a:t>
+            </a:r>
+            <a:r>
+              <a:rPr lang="en-US" b="1" dirty="0" err="1" smtClean="0"/>
+              <a:t>checkRobotsTxt</a:t>
+            </a:r>
+            <a:r>
+              <a:rPr lang="en-US" dirty="0" smtClean="0"/>
+              <a:t>(URL))</a:t>
+            </a:r>
+          </a:p>
+          <a:p>
+            <a:pPr lvl="1"/>
+            <a:r>
+              <a:rPr lang="en-US" dirty="0" smtClean="0"/>
+              <a:t>              continue;				</a:t>
+            </a:r>
+          </a:p>
+          <a:p>
+            <a:pPr lvl="1"/>
+            <a:r>
+              <a:rPr lang="en-US" dirty="0" smtClean="0"/>
+              <a:t>        HTML = </a:t>
+            </a:r>
+            <a:r>
+              <a:rPr lang="en-US" dirty="0" err="1" smtClean="0"/>
+              <a:t>URL.open</a:t>
+            </a:r>
+            <a:r>
+              <a:rPr lang="en-US" dirty="0" smtClean="0"/>
+              <a:t>();	</a:t>
+            </a:r>
+          </a:p>
+          <a:p>
+            <a:pPr lvl="1"/>
+            <a:r>
+              <a:rPr lang="en-US" dirty="0" smtClean="0"/>
+              <a:t>        for (anchor in </a:t>
+            </a:r>
+            <a:r>
+              <a:rPr lang="en-US" dirty="0" err="1" smtClean="0"/>
+              <a:t>HTML.listOfAnchors</a:t>
+            </a:r>
+            <a:r>
+              <a:rPr lang="en-US" dirty="0" smtClean="0"/>
+              <a:t>()) {</a:t>
+            </a:r>
+          </a:p>
+          <a:p>
+            <a:pPr lvl="1"/>
+            <a:r>
+              <a:rPr lang="en-US" dirty="0" smtClean="0"/>
+              <a:t>               </a:t>
+            </a:r>
+            <a:r>
+              <a:rPr lang="en-US" dirty="0" err="1" smtClean="0"/>
+              <a:t>URL_list</a:t>
+            </a:r>
+            <a:r>
+              <a:rPr lang="en-US" dirty="0" smtClean="0"/>
+              <a:t> .append(anchor);</a:t>
+            </a:r>
+          </a:p>
+          <a:p>
+            <a:pPr lvl="1"/>
+            <a:r>
+              <a:rPr lang="en-US" dirty="0"/>
+              <a:t> </a:t>
+            </a:r>
+            <a:r>
+              <a:rPr lang="en-US" dirty="0" smtClean="0"/>
+              <a:t>        }</a:t>
+            </a:r>
+          </a:p>
+          <a:p>
+            <a:pPr lvl="1"/>
+            <a:r>
+              <a:rPr lang="en-US" dirty="0" smtClean="0"/>
+              <a:t>         </a:t>
+            </a:r>
+            <a:r>
+              <a:rPr lang="en-US" b="1" dirty="0" err="1" smtClean="0"/>
+              <a:t>setVisited</a:t>
+            </a:r>
+            <a:r>
+              <a:rPr lang="en-US" dirty="0" smtClean="0"/>
+              <a:t>(URL);</a:t>
+            </a:r>
+          </a:p>
+          <a:p>
+            <a:pPr lvl="1"/>
+            <a:r>
+              <a:rPr lang="en-US" dirty="0" smtClean="0"/>
+              <a:t>         </a:t>
+            </a:r>
+            <a:r>
+              <a:rPr lang="en-US" b="1" dirty="0" err="1" smtClean="0"/>
+              <a:t>insertToIndex</a:t>
+            </a:r>
+            <a:r>
+              <a:rPr lang="en-US" dirty="0" smtClean="0"/>
+              <a:t>(HTML);</a:t>
+            </a:r>
+          </a:p>
+          <a:p>
+            <a:pPr lvl="1"/>
+            <a:r>
+              <a:rPr lang="en-US" dirty="0" smtClean="0"/>
+              <a:t>}</a:t>
+            </a:r>
+          </a:p>
+          <a:p>
+            <a:r>
+              <a:rPr lang="en-US" dirty="0"/>
+              <a:t>}</a:t>
+            </a:r>
+          </a:p>
+        </p:txBody>
+      </p:sp>
+      <p:sp>
+        <p:nvSpPr>
+          <p:cNvPr id="5" name="Date Placeholder 4"/>
+          <p:cNvSpPr>
+            <a:spLocks noGrp="1"/>
+          </p:cNvSpPr>
+          <p:nvPr>
+            <p:ph type="dt" sz="half" idx="10"/>
+          </p:nvPr>
+        </p:nvSpPr>
+        <p:spPr/>
+        <p:txBody>
+          <a:bodyPr/>
+          <a:lstStyle/>
+          <a:p>
+            <a:r>
+              <a:rPr lang="en-US" smtClean="0"/>
+              <a:t>CS@UVa</a:t>
+            </a:r>
+            <a:endParaRPr lang="en-US"/>
+          </a:p>
+        </p:txBody>
+      </p:sp>
+      <p:sp>
+        <p:nvSpPr>
+          <p:cNvPr id="6" name="Footer Placeholder 5"/>
+          <p:cNvSpPr>
+            <a:spLocks noGrp="1"/>
+          </p:cNvSpPr>
+          <p:nvPr>
+            <p:ph type="ftr" sz="quarter" idx="11"/>
+          </p:nvPr>
+        </p:nvSpPr>
+        <p:spPr/>
+        <p:txBody>
+          <a:bodyPr/>
+          <a:lstStyle/>
+          <a:p>
+            <a:r>
+              <a:rPr lang="en-US" smtClean="0"/>
+              <a:t>CS4501: Information Retrieval</a:t>
+            </a:r>
+            <a:endParaRPr lang="en-US"/>
+          </a:p>
+        </p:txBody>
+      </p:sp>
+      <p:sp>
+        <p:nvSpPr>
+          <p:cNvPr id="7" name="Slide Number Placeholder 6"/>
+          <p:cNvSpPr>
+            <a:spLocks noGrp="1"/>
+          </p:cNvSpPr>
+          <p:nvPr>
+            <p:ph type="sldNum" sz="quarter" idx="12"/>
+          </p:nvPr>
+        </p:nvSpPr>
+        <p:spPr/>
+        <p:txBody>
+          <a:bodyPr/>
+          <a:lstStyle/>
+          <a:p>
+            <a:fld id="{93582EC2-63CB-4149-BC8B-E4DB3A07B74B}" type="slidenum">
+              <a:rPr lang="en-US" smtClean="0"/>
+              <a:t>28</a:t>
+            </a:fld>
+            <a:endParaRPr lang="en-US"/>
+          </a:p>
+        </p:txBody>
+      </p:sp>
+      <p:grpSp>
+        <p:nvGrpSpPr>
+          <p:cNvPr id="10" name="Group 9"/>
+          <p:cNvGrpSpPr/>
+          <p:nvPr/>
+        </p:nvGrpSpPr>
+        <p:grpSpPr>
+          <a:xfrm>
+            <a:off x="2971800" y="2848001"/>
+            <a:ext cx="3886200" cy="657199"/>
+            <a:chOff x="2971800" y="2848001"/>
+            <a:chExt cx="3886200" cy="657199"/>
+          </a:xfrm>
+        </p:grpSpPr>
+        <p:sp>
+          <p:nvSpPr>
+            <p:cNvPr id="8" name="Rectangle 7"/>
+            <p:cNvSpPr/>
+            <p:nvPr/>
+          </p:nvSpPr>
+          <p:spPr>
+            <a:xfrm>
+              <a:off x="2971800" y="3200400"/>
+              <a:ext cx="1447800" cy="304800"/>
+            </a:xfrm>
+            <a:prstGeom prst="rect">
+              <a:avLst/>
+            </a:prstGeom>
+            <a:noFill/>
+            <a:ln>
+              <a:solidFill>
+                <a:srgbClr val="FF0000"/>
+              </a:solidFill>
+            </a:ln>
+          </p:spPr>
+          <p:style>
+            <a:lnRef idx="2">
+              <a:schemeClr val="accent1">
+                <a:shade val="50000"/>
+              </a:schemeClr>
+            </a:lnRef>
+            <a:fillRef idx="1">
+              <a:schemeClr val="accent1"/>
+            </a:fillRef>
+            <a:effectRef idx="0">
+              <a:schemeClr val="accent1"/>
+            </a:effectRef>
+            <a:fontRef idx="minor">
+              <a:schemeClr val="lt1"/>
+            </a:fontRef>
+          </p:style>
+          <p:txBody>
+            <a:bodyPr rtlCol="0" anchor="ctr"/>
+            <a:lstStyle/>
+            <a:p>
+              <a:pPr algn="ctr"/>
+              <a:endParaRPr lang="en-US"/>
+            </a:p>
+          </p:txBody>
+        </p:sp>
+        <p:sp>
+          <p:nvSpPr>
+            <p:cNvPr id="9" name="TextBox 8"/>
+            <p:cNvSpPr txBox="1"/>
+            <p:nvPr/>
+          </p:nvSpPr>
+          <p:spPr>
+            <a:xfrm>
+              <a:off x="4267200" y="2848001"/>
+              <a:ext cx="2590800" cy="369332"/>
+            </a:xfrm>
+            <a:prstGeom prst="rect">
+              <a:avLst/>
+            </a:prstGeom>
+            <a:noFill/>
+          </p:spPr>
+          <p:txBody>
+            <a:bodyPr wrap="square" rtlCol="0">
+              <a:spAutoFit/>
+            </a:bodyPr>
+            <a:lstStyle/>
+            <a:p>
+              <a:r>
+                <a:rPr lang="en-US" i="1" dirty="0" smtClean="0">
+                  <a:solidFill>
+                    <a:srgbClr val="FF0000"/>
+                  </a:solidFill>
+                </a:rPr>
+                <a:t>Which page to visit next?</a:t>
+              </a:r>
+              <a:endParaRPr lang="en-US" i="1" dirty="0">
+                <a:solidFill>
+                  <a:srgbClr val="FF0000"/>
+                </a:solidFill>
+              </a:endParaRPr>
+            </a:p>
+          </p:txBody>
+        </p:sp>
+      </p:grpSp>
+      <p:grpSp>
+        <p:nvGrpSpPr>
+          <p:cNvPr id="11" name="Group 10"/>
+          <p:cNvGrpSpPr/>
+          <p:nvPr/>
+        </p:nvGrpSpPr>
+        <p:grpSpPr>
+          <a:xfrm>
+            <a:off x="5715000" y="3452798"/>
+            <a:ext cx="3657600" cy="731832"/>
+            <a:chOff x="2971800" y="3200399"/>
+            <a:chExt cx="3657600" cy="731832"/>
+          </a:xfrm>
+        </p:grpSpPr>
+        <p:sp>
+          <p:nvSpPr>
+            <p:cNvPr id="12" name="Rectangle 11"/>
+            <p:cNvSpPr/>
+            <p:nvPr/>
+          </p:nvSpPr>
+          <p:spPr>
+            <a:xfrm>
+              <a:off x="2971800" y="3200399"/>
+              <a:ext cx="2286000" cy="357201"/>
+            </a:xfrm>
+            <a:prstGeom prst="rect">
+              <a:avLst/>
+            </a:prstGeom>
+            <a:noFill/>
+            <a:ln>
+              <a:solidFill>
+                <a:srgbClr val="FF0000"/>
+              </a:solidFill>
+            </a:ln>
+          </p:spPr>
+          <p:style>
+            <a:lnRef idx="2">
+              <a:schemeClr val="accent1">
+                <a:shade val="50000"/>
+              </a:schemeClr>
+            </a:lnRef>
+            <a:fillRef idx="1">
+              <a:schemeClr val="accent1"/>
+            </a:fillRef>
+            <a:effectRef idx="0">
+              <a:schemeClr val="accent1"/>
+            </a:effectRef>
+            <a:fontRef idx="minor">
+              <a:schemeClr val="lt1"/>
+            </a:fontRef>
+          </p:style>
+          <p:txBody>
+            <a:bodyPr rtlCol="0" anchor="ctr"/>
+            <a:lstStyle/>
+            <a:p>
+              <a:pPr algn="ctr"/>
+              <a:endParaRPr lang="en-US"/>
+            </a:p>
+          </p:txBody>
+        </p:sp>
+        <p:sp>
+          <p:nvSpPr>
+            <p:cNvPr id="13" name="TextBox 12"/>
+            <p:cNvSpPr txBox="1"/>
+            <p:nvPr/>
+          </p:nvSpPr>
+          <p:spPr>
+            <a:xfrm>
+              <a:off x="4038600" y="3562899"/>
+              <a:ext cx="2590800" cy="369332"/>
+            </a:xfrm>
+            <a:prstGeom prst="rect">
+              <a:avLst/>
+            </a:prstGeom>
+            <a:noFill/>
+          </p:spPr>
+          <p:txBody>
+            <a:bodyPr wrap="square" rtlCol="0">
+              <a:spAutoFit/>
+            </a:bodyPr>
+            <a:lstStyle/>
+            <a:p>
+              <a:r>
+                <a:rPr lang="en-US" i="1" dirty="0" smtClean="0">
+                  <a:solidFill>
+                    <a:srgbClr val="FF0000"/>
+                  </a:solidFill>
+                </a:rPr>
+                <a:t>Is the access granted?</a:t>
+              </a:r>
+              <a:endParaRPr lang="en-US" i="1" dirty="0">
+                <a:solidFill>
+                  <a:srgbClr val="FF0000"/>
+                </a:solidFill>
+              </a:endParaRPr>
+            </a:p>
+          </p:txBody>
+        </p:sp>
+      </p:grpSp>
+      <p:grpSp>
+        <p:nvGrpSpPr>
+          <p:cNvPr id="14" name="Group 13"/>
+          <p:cNvGrpSpPr/>
+          <p:nvPr/>
+        </p:nvGrpSpPr>
+        <p:grpSpPr>
+          <a:xfrm>
+            <a:off x="-76201" y="3505200"/>
+            <a:ext cx="4114801" cy="817929"/>
+            <a:chOff x="389466" y="3195102"/>
+            <a:chExt cx="4114801" cy="817929"/>
+          </a:xfrm>
+        </p:grpSpPr>
+        <p:sp>
+          <p:nvSpPr>
+            <p:cNvPr id="15" name="Rectangle 14"/>
+            <p:cNvSpPr/>
+            <p:nvPr/>
+          </p:nvSpPr>
+          <p:spPr>
+            <a:xfrm>
+              <a:off x="2980266" y="3195102"/>
+              <a:ext cx="1524001" cy="304800"/>
+            </a:xfrm>
+            <a:prstGeom prst="rect">
+              <a:avLst/>
+            </a:prstGeom>
+            <a:noFill/>
+            <a:ln>
+              <a:solidFill>
+                <a:srgbClr val="FF0000"/>
+              </a:solidFill>
+            </a:ln>
+          </p:spPr>
+          <p:style>
+            <a:lnRef idx="2">
+              <a:schemeClr val="accent1">
+                <a:shade val="50000"/>
+              </a:schemeClr>
+            </a:lnRef>
+            <a:fillRef idx="1">
+              <a:schemeClr val="accent1"/>
+            </a:fillRef>
+            <a:effectRef idx="0">
+              <a:schemeClr val="accent1"/>
+            </a:effectRef>
+            <a:fontRef idx="minor">
+              <a:schemeClr val="lt1"/>
+            </a:fontRef>
+          </p:style>
+          <p:txBody>
+            <a:bodyPr rtlCol="0" anchor="ctr"/>
+            <a:lstStyle/>
+            <a:p>
+              <a:pPr algn="ctr"/>
+              <a:endParaRPr lang="en-US"/>
+            </a:p>
+          </p:txBody>
+        </p:sp>
+        <p:sp>
+          <p:nvSpPr>
+            <p:cNvPr id="16" name="TextBox 15"/>
+            <p:cNvSpPr txBox="1"/>
+            <p:nvPr/>
+          </p:nvSpPr>
+          <p:spPr>
+            <a:xfrm>
+              <a:off x="389466" y="3366700"/>
+              <a:ext cx="2590800" cy="646331"/>
+            </a:xfrm>
+            <a:prstGeom prst="rect">
+              <a:avLst/>
+            </a:prstGeom>
+            <a:noFill/>
+          </p:spPr>
+          <p:txBody>
+            <a:bodyPr wrap="square" rtlCol="0">
+              <a:spAutoFit/>
+            </a:bodyPr>
+            <a:lstStyle/>
+            <a:p>
+              <a:pPr algn="r"/>
+              <a:r>
+                <a:rPr lang="en-US" i="1" dirty="0" smtClean="0">
+                  <a:solidFill>
+                    <a:srgbClr val="FF0000"/>
+                  </a:solidFill>
+                </a:rPr>
+                <a:t>Is it visited already?        Or shall we visit it again?</a:t>
+              </a:r>
+              <a:endParaRPr lang="en-US" i="1" dirty="0">
+                <a:solidFill>
+                  <a:srgbClr val="FF0000"/>
+                </a:solidFill>
+              </a:endParaRPr>
+            </a:p>
+          </p:txBody>
+        </p:sp>
+      </p:grpSp>
+    </p:spTree>
+    <p:extLst>
+      <p:ext uri="{BB962C8B-B14F-4D97-AF65-F5344CB8AC3E}">
+        <p14:creationId xmlns:p14="http://schemas.microsoft.com/office/powerpoint/2010/main" val="2428271288"/>
+      </p:ext>
+    </p:extLst>
+  </p:cSld>
+  <p:clrMapOvr>
+    <a:masterClrMapping/>
+  </p:clrMapOvr>
+  <p:timing>
+    <p:tnLst>
+      <p:par>
+        <p:cTn id="1" dur="indefinite" restart="never" nodeType="tmRoot"/>
+      </p:par>
+    </p:tnLst>
+  </p:timing>
+</p:sld>
+</file>
+
+<file path=ppt/slides/slide29.xml><?xml version="1.0" encoding="utf-8"?>
+<p:sld xmlns:a="http://schemas.openxmlformats.org/drawingml/2006/main" xmlns:r="http://schemas.openxmlformats.org/officeDocument/2006/relationships" xmlns:p="http://schemas.openxmlformats.org/presentationml/2006/main">
+  <p:cSld>
+    <p:spTree>
+      <p:nvGrpSpPr>
+        <p:cNvPr id="1" name=""/>
+        <p:cNvGrpSpPr/>
+        <p:nvPr/>
+      </p:nvGrpSpPr>
+      <p:grpSpPr>
+        <a:xfrm>
+          <a:off x="0" y="0"/>
+          <a:ext cx="0" cy="0"/>
+          <a:chOff x="0" y="0"/>
+          <a:chExt cx="0" cy="0"/>
+        </a:xfrm>
+      </p:grpSpPr>
+      <p:sp>
+        <p:nvSpPr>
+          <p:cNvPr id="2" name="Title 1"/>
+          <p:cNvSpPr>
+            <a:spLocks noGrp="1"/>
+          </p:cNvSpPr>
+          <p:nvPr>
+            <p:ph type="title"/>
+          </p:nvPr>
+        </p:nvSpPr>
+        <p:spPr/>
+        <p:txBody>
+          <a:bodyPr/>
+          <a:lstStyle/>
+          <a:p>
+            <a:r>
+              <a:rPr lang="en-US" dirty="0" smtClean="0"/>
+              <a:t>Recap: crawling strategy</a:t>
+            </a:r>
+            <a:endParaRPr lang="en-US" dirty="0"/>
+          </a:p>
+        </p:txBody>
+      </p:sp>
+      <p:sp>
+        <p:nvSpPr>
+          <p:cNvPr id="3" name="Content Placeholder 2"/>
+          <p:cNvSpPr>
+            <a:spLocks noGrp="1"/>
+          </p:cNvSpPr>
+          <p:nvPr>
+            <p:ph idx="1"/>
+          </p:nvPr>
+        </p:nvSpPr>
+        <p:spPr/>
+        <p:txBody>
+          <a:bodyPr>
+            <a:normAutofit fontScale="92500"/>
+          </a:bodyPr>
+          <a:lstStyle/>
+          <a:p>
+            <a:r>
+              <a:rPr lang="en-US" dirty="0"/>
+              <a:t>Breadth first</a:t>
+            </a:r>
+          </a:p>
+          <a:p>
+            <a:pPr lvl="1"/>
+            <a:r>
+              <a:rPr lang="en-US" dirty="0"/>
+              <a:t>Uniformly explore from the entry page</a:t>
+            </a:r>
+          </a:p>
+          <a:p>
+            <a:r>
+              <a:rPr lang="en-US" dirty="0" smtClean="0"/>
+              <a:t>Depth </a:t>
+            </a:r>
+            <a:r>
+              <a:rPr lang="en-US" dirty="0"/>
+              <a:t>first</a:t>
+            </a:r>
+          </a:p>
+          <a:p>
+            <a:pPr lvl="1"/>
+            <a:r>
+              <a:rPr lang="en-US" dirty="0" smtClean="0"/>
+              <a:t>Biased </a:t>
+            </a:r>
+            <a:r>
+              <a:rPr lang="en-US" dirty="0"/>
+              <a:t>crawling given the web is not a tree structure</a:t>
+            </a:r>
+          </a:p>
+          <a:p>
+            <a:r>
+              <a:rPr lang="en-US" dirty="0" smtClean="0"/>
+              <a:t>Focused crawling</a:t>
+            </a:r>
+          </a:p>
+          <a:p>
+            <a:pPr lvl="1"/>
+            <a:r>
+              <a:rPr lang="en-US" dirty="0" smtClean="0"/>
+              <a:t>Prioritize </a:t>
+            </a:r>
+            <a:r>
+              <a:rPr lang="en-US" dirty="0"/>
+              <a:t>by </a:t>
+            </a:r>
+            <a:r>
+              <a:rPr lang="en-US" dirty="0" smtClean="0"/>
+              <a:t>in-degree </a:t>
+            </a:r>
+            <a:r>
+              <a:rPr lang="en-US" baseline="30000" dirty="0" smtClean="0"/>
+              <a:t>[Cho et al. WWW’98]</a:t>
+            </a:r>
+          </a:p>
+          <a:p>
+            <a:pPr lvl="1"/>
+            <a:r>
+              <a:rPr lang="en-US" dirty="0" smtClean="0"/>
+              <a:t>Prioritize </a:t>
+            </a:r>
+            <a:r>
+              <a:rPr lang="en-US" dirty="0"/>
+              <a:t>by </a:t>
+            </a:r>
+            <a:r>
+              <a:rPr lang="en-US" dirty="0" smtClean="0"/>
+              <a:t>PageRank </a:t>
+            </a:r>
+            <a:r>
+              <a:rPr lang="en-US" baseline="30000" dirty="0" smtClean="0"/>
+              <a:t>[</a:t>
+            </a:r>
+            <a:r>
+              <a:rPr lang="en-US" baseline="30000" dirty="0" err="1" smtClean="0"/>
+              <a:t>Abiteboul</a:t>
+            </a:r>
+            <a:r>
+              <a:rPr lang="en-US" baseline="30000" dirty="0" smtClean="0"/>
+              <a:t> et al. WWW’07,</a:t>
+            </a:r>
+            <a:r>
+              <a:rPr lang="en-US" baseline="30000" dirty="0"/>
+              <a:t> </a:t>
+            </a:r>
+            <a:r>
+              <a:rPr lang="en-US" baseline="30000" dirty="0" smtClean="0"/>
+              <a:t>Cho and Uri </a:t>
+            </a:r>
+            <a:r>
+              <a:rPr lang="en-US" baseline="30000" dirty="0" smtClean="0"/>
+              <a:t>VLDB’07]</a:t>
+            </a:r>
+          </a:p>
+          <a:p>
+            <a:pPr lvl="1"/>
+            <a:r>
+              <a:rPr lang="en-US" dirty="0"/>
+              <a:t>Prioritize by topical relevance</a:t>
+            </a:r>
+          </a:p>
+          <a:p>
+            <a:pPr lvl="1"/>
+            <a:endParaRPr lang="en-US" baseline="30000" dirty="0" smtClean="0"/>
+          </a:p>
+          <a:p>
+            <a:pPr lvl="1"/>
+            <a:endParaRPr lang="en-US" dirty="0"/>
+          </a:p>
+        </p:txBody>
+      </p:sp>
+      <p:sp>
+        <p:nvSpPr>
+          <p:cNvPr id="4" name="Date Placeholder 3"/>
+          <p:cNvSpPr>
+            <a:spLocks noGrp="1"/>
+          </p:cNvSpPr>
+          <p:nvPr>
+            <p:ph type="dt" sz="half" idx="10"/>
+          </p:nvPr>
+        </p:nvSpPr>
+        <p:spPr/>
+        <p:txBody>
+          <a:bodyPr/>
+          <a:lstStyle/>
+          <a:p>
+            <a:r>
+              <a:rPr lang="en-US" smtClean="0"/>
+              <a:t>CS@UVa</a:t>
+            </a:r>
+            <a:endParaRPr lang="en-US"/>
+          </a:p>
+        </p:txBody>
+      </p:sp>
+      <p:sp>
+        <p:nvSpPr>
+          <p:cNvPr id="5" name="Footer Placeholder 4"/>
+          <p:cNvSpPr>
+            <a:spLocks noGrp="1"/>
+          </p:cNvSpPr>
+          <p:nvPr>
+            <p:ph type="ftr" sz="quarter" idx="11"/>
+          </p:nvPr>
+        </p:nvSpPr>
+        <p:spPr/>
+        <p:txBody>
+          <a:bodyPr/>
+          <a:lstStyle/>
+          <a:p>
+            <a:r>
+              <a:rPr lang="en-US" smtClean="0"/>
+              <a:t>CS4501: Information Retrieval</a:t>
+            </a:r>
+            <a:endParaRPr lang="en-US"/>
+          </a:p>
+        </p:txBody>
+      </p:sp>
+      <p:sp>
+        <p:nvSpPr>
+          <p:cNvPr id="6" name="Slide Number Placeholder 5"/>
+          <p:cNvSpPr>
+            <a:spLocks noGrp="1"/>
+          </p:cNvSpPr>
+          <p:nvPr>
+            <p:ph type="sldNum" sz="quarter" idx="12"/>
+          </p:nvPr>
+        </p:nvSpPr>
+        <p:spPr/>
+        <p:txBody>
+          <a:bodyPr/>
+          <a:lstStyle/>
+          <a:p>
+            <a:fld id="{93582EC2-63CB-4149-BC8B-E4DB3A07B74B}" type="slidenum">
+              <a:rPr lang="en-US" smtClean="0"/>
+              <a:t>29</a:t>
+            </a:fld>
+            <a:endParaRPr lang="en-US"/>
+          </a:p>
+        </p:txBody>
+      </p:sp>
+    </p:spTree>
+    <p:extLst>
+      <p:ext uri="{BB962C8B-B14F-4D97-AF65-F5344CB8AC3E}">
+        <p14:creationId xmlns:p14="http://schemas.microsoft.com/office/powerpoint/2010/main" val="3497113107"/>
+      </p:ext>
+    </p:extLst>
+  </p:cSld>
+  <p:clrMapOvr>
+    <a:masterClrMapping/>
+  </p:clrMapOvr>
+  <p:timing>
+    <p:tnLst>
+      <p:par>
+        <p:cTn id="1" dur="indefinite" restart="never" nodeType="tmRoot"/>
+      </p:par>
+    </p:tnLst>
+  </p:timing>
+</p:sld>
+</file>
+
+<file path=ppt/slides/slide3.xml><?xml version="1.0" encoding="utf-8"?>
+<p:sld xmlns:a="http://schemas.openxmlformats.org/drawingml/2006/main" xmlns:r="http://schemas.openxmlformats.org/officeDocument/2006/relationships" xmlns:p="http://schemas.openxmlformats.org/presentationml/2006/main">
+  <p:cSld>
+    <p:spTree>
+      <p:nvGrpSpPr>
+        <p:cNvPr id="1" name=""/>
+        <p:cNvGrpSpPr/>
+        <p:nvPr/>
+      </p:nvGrpSpPr>
+      <p:grpSpPr>
+        <a:xfrm>
+          <a:off x="0" y="0"/>
+          <a:ext cx="0" cy="0"/>
+          <a:chOff x="0" y="0"/>
+          <a:chExt cx="0" cy="0"/>
+        </a:xfrm>
+      </p:grpSpPr>
+      <p:sp>
+        <p:nvSpPr>
+          <p:cNvPr id="2" name="Title 1"/>
+          <p:cNvSpPr>
+            <a:spLocks noGrp="1"/>
+          </p:cNvSpPr>
+          <p:nvPr>
+            <p:ph type="title"/>
+          </p:nvPr>
+        </p:nvSpPr>
+        <p:spPr/>
+        <p:txBody>
+          <a:bodyPr/>
+          <a:lstStyle/>
+          <a:p>
+            <a:r>
+              <a:rPr lang="en-US" dirty="0" smtClean="0"/>
+              <a:t>Recap: </a:t>
+            </a:r>
+            <a:r>
+              <a:rPr lang="en-US" altLang="en-US" dirty="0"/>
+              <a:t>Browsing </a:t>
+            </a:r>
+            <a:r>
+              <a:rPr lang="en-US" altLang="en-US" dirty="0" err="1"/>
+              <a:t>v.s</a:t>
+            </a:r>
+            <a:r>
+              <a:rPr lang="en-US" altLang="en-US" dirty="0"/>
+              <a:t>. Querying </a:t>
+            </a:r>
+            <a:endParaRPr lang="en-US" dirty="0"/>
+          </a:p>
+        </p:txBody>
+      </p:sp>
+      <p:sp>
+        <p:nvSpPr>
+          <p:cNvPr id="3" name="Content Placeholder 2"/>
+          <p:cNvSpPr>
+            <a:spLocks noGrp="1"/>
+          </p:cNvSpPr>
+          <p:nvPr>
+            <p:ph idx="1"/>
+          </p:nvPr>
+        </p:nvSpPr>
+        <p:spPr/>
+        <p:txBody>
+          <a:bodyPr/>
+          <a:lstStyle/>
+          <a:p>
+            <a:r>
+              <a:rPr lang="en-US" dirty="0" smtClean="0"/>
+              <a:t>Browsing</a:t>
+            </a:r>
+          </a:p>
+          <a:p>
+            <a:pPr lvl="1"/>
+            <a:r>
+              <a:rPr lang="en-US" altLang="en-US" dirty="0">
+                <a:cs typeface="Arial" charset="0"/>
+              </a:rPr>
+              <a:t>Works well when the user wants to explore information or doesn’t know what keywords to use, or </a:t>
+            </a:r>
+            <a:r>
+              <a:rPr lang="en-US" altLang="en-US" dirty="0" smtClean="0">
+                <a:cs typeface="Arial" charset="0"/>
+              </a:rPr>
+              <a:t>cannot </a:t>
+            </a:r>
+            <a:r>
+              <a:rPr lang="en-US" altLang="en-US" dirty="0">
+                <a:cs typeface="Arial" charset="0"/>
+              </a:rPr>
+              <a:t>conveniently enter a query </a:t>
+            </a:r>
+            <a:endParaRPr lang="en-US" altLang="en-US" dirty="0" smtClean="0">
+              <a:cs typeface="Arial" charset="0"/>
+            </a:endParaRPr>
+          </a:p>
+          <a:p>
+            <a:r>
+              <a:rPr lang="en-US" dirty="0" smtClean="0"/>
+              <a:t>Querying</a:t>
+            </a:r>
+          </a:p>
+          <a:p>
+            <a:pPr lvl="1"/>
+            <a:r>
+              <a:rPr lang="en-US" altLang="en-US" dirty="0">
+                <a:cs typeface="Arial" charset="0"/>
+              </a:rPr>
+              <a:t>Works well when the user knows exactly what query to use for expressing her information need</a:t>
+            </a:r>
+          </a:p>
+          <a:p>
+            <a:pPr lvl="1"/>
+            <a:endParaRPr lang="en-US" dirty="0"/>
+          </a:p>
+        </p:txBody>
+      </p:sp>
+      <p:sp>
+        <p:nvSpPr>
+          <p:cNvPr id="4" name="Date Placeholder 3"/>
+          <p:cNvSpPr>
+            <a:spLocks noGrp="1"/>
+          </p:cNvSpPr>
+          <p:nvPr>
+            <p:ph type="dt" sz="half" idx="10"/>
+          </p:nvPr>
+        </p:nvSpPr>
+        <p:spPr/>
+        <p:txBody>
+          <a:bodyPr/>
+          <a:lstStyle/>
+          <a:p>
+            <a:r>
+              <a:rPr lang="en-US" smtClean="0"/>
+              <a:t>CS@UVa</a:t>
+            </a:r>
+            <a:endParaRPr lang="en-US"/>
+          </a:p>
+        </p:txBody>
+      </p:sp>
+      <p:sp>
+        <p:nvSpPr>
+          <p:cNvPr id="5" name="Footer Placeholder 4"/>
+          <p:cNvSpPr>
+            <a:spLocks noGrp="1"/>
+          </p:cNvSpPr>
+          <p:nvPr>
+            <p:ph type="ftr" sz="quarter" idx="11"/>
+          </p:nvPr>
+        </p:nvSpPr>
+        <p:spPr/>
+        <p:txBody>
+          <a:bodyPr/>
+          <a:lstStyle/>
+          <a:p>
+            <a:r>
+              <a:rPr lang="en-US" smtClean="0"/>
+              <a:t>CS4501: Information Retrieval</a:t>
+            </a:r>
+            <a:endParaRPr lang="en-US"/>
+          </a:p>
+        </p:txBody>
+      </p:sp>
+      <p:sp>
+        <p:nvSpPr>
+          <p:cNvPr id="6" name="Slide Number Placeholder 5"/>
+          <p:cNvSpPr>
+            <a:spLocks noGrp="1"/>
+          </p:cNvSpPr>
+          <p:nvPr>
+            <p:ph type="sldNum" sz="quarter" idx="12"/>
+          </p:nvPr>
+        </p:nvSpPr>
+        <p:spPr/>
+        <p:txBody>
+          <a:bodyPr/>
+          <a:lstStyle/>
+          <a:p>
+            <a:fld id="{93582EC2-63CB-4149-BC8B-E4DB3A07B74B}" type="slidenum">
+              <a:rPr lang="en-US" smtClean="0"/>
+              <a:t>3</a:t>
+            </a:fld>
+            <a:endParaRPr lang="en-US"/>
+          </a:p>
+        </p:txBody>
+      </p:sp>
+    </p:spTree>
+    <p:extLst>
+      <p:ext uri="{BB962C8B-B14F-4D97-AF65-F5344CB8AC3E}">
+        <p14:creationId xmlns:p14="http://schemas.microsoft.com/office/powerpoint/2010/main" val="1355664977"/>
+      </p:ext>
+    </p:extLst>
+  </p:cSld>
+  <p:clrMapOvr>
+    <a:masterClrMapping/>
+  </p:clrMapOvr>
+  <p:timing>
+    <p:tnLst>
+      <p:par>
+        <p:cTn id="1" dur="indefinite" restart="never" nodeType="tmRoot"/>
+      </p:par>
+    </p:tnLst>
+  </p:timing>
+</p:sld>
+</file>
+
+<file path=ppt/slides/slide30.xml><?xml version="1.0" encoding="utf-8"?>
+<p:sld xmlns:a="http://schemas.openxmlformats.org/drawingml/2006/main" xmlns:r="http://schemas.openxmlformats.org/officeDocument/2006/relationships" xmlns:p="http://schemas.openxmlformats.org/presentationml/2006/main">
+  <p:cSld>
+    <p:spTree>
+      <p:nvGrpSpPr>
+        <p:cNvPr id="1" name=""/>
+        <p:cNvGrpSpPr/>
+        <p:nvPr/>
+      </p:nvGrpSpPr>
+      <p:grpSpPr>
+        <a:xfrm>
+          <a:off x="0" y="0"/>
+          <a:ext cx="0" cy="0"/>
+          <a:chOff x="0" y="0"/>
+          <a:chExt cx="0" cy="0"/>
+        </a:xfrm>
+      </p:grpSpPr>
+      <p:sp>
+        <p:nvSpPr>
+          <p:cNvPr id="2" name="Title 1"/>
+          <p:cNvSpPr>
+            <a:spLocks noGrp="1"/>
+          </p:cNvSpPr>
+          <p:nvPr>
+            <p:ph type="title"/>
+          </p:nvPr>
+        </p:nvSpPr>
+        <p:spPr/>
+        <p:txBody>
+          <a:bodyPr>
+            <a:normAutofit/>
+          </a:bodyPr>
+          <a:lstStyle/>
+          <a:p>
+            <a:r>
+              <a:rPr lang="en-US" dirty="0" smtClean="0"/>
+              <a:t>Recap: challenges in web crawling </a:t>
+            </a:r>
+            <a:endParaRPr lang="en-US" dirty="0"/>
+          </a:p>
+        </p:txBody>
+      </p:sp>
+      <p:sp>
+        <p:nvSpPr>
+          <p:cNvPr id="3" name="Content Placeholder 2"/>
+          <p:cNvSpPr>
+            <a:spLocks noGrp="1"/>
+          </p:cNvSpPr>
+          <p:nvPr>
+            <p:ph idx="1"/>
+          </p:nvPr>
+        </p:nvSpPr>
+        <p:spPr/>
+        <p:txBody>
+          <a:bodyPr>
+            <a:normAutofit/>
+          </a:bodyPr>
+          <a:lstStyle/>
+          <a:p>
+            <a:r>
+              <a:rPr lang="en-US" dirty="0"/>
+              <a:t>Avoid duplicate </a:t>
+            </a:r>
+            <a:r>
+              <a:rPr lang="en-US" dirty="0" smtClean="0"/>
+              <a:t>visit</a:t>
+            </a:r>
+          </a:p>
+          <a:p>
+            <a:pPr lvl="1"/>
+            <a:r>
+              <a:rPr lang="en-US" dirty="0" smtClean="0"/>
+              <a:t>Recognize URLs pointing to the same content</a:t>
+            </a:r>
+          </a:p>
+          <a:p>
+            <a:r>
+              <a:rPr lang="en-US" dirty="0"/>
+              <a:t>Re-visit </a:t>
+            </a:r>
+            <a:r>
+              <a:rPr lang="en-US" dirty="0" smtClean="0"/>
+              <a:t>policy</a:t>
+            </a:r>
+          </a:p>
+          <a:p>
+            <a:pPr lvl="1"/>
+            <a:r>
+              <a:rPr lang="en-US" dirty="0"/>
+              <a:t>Maximize </a:t>
+            </a:r>
+            <a:r>
+              <a:rPr lang="en-US" dirty="0"/>
+              <a:t>freshness and minimize age of documents in the collection</a:t>
+            </a:r>
+          </a:p>
+          <a:p>
+            <a:endParaRPr lang="en-US" dirty="0" smtClean="0"/>
+          </a:p>
+          <a:p>
+            <a:pPr lvl="1"/>
+            <a:endParaRPr lang="en-US" dirty="0"/>
+          </a:p>
+          <a:p>
+            <a:pPr lvl="1"/>
+            <a:endParaRPr lang="en-US" baseline="30000" dirty="0" smtClean="0"/>
+          </a:p>
+          <a:p>
+            <a:pPr lvl="1"/>
+            <a:endParaRPr lang="en-US" dirty="0"/>
+          </a:p>
+        </p:txBody>
+      </p:sp>
+      <p:sp>
+        <p:nvSpPr>
+          <p:cNvPr id="4" name="Date Placeholder 3"/>
+          <p:cNvSpPr>
+            <a:spLocks noGrp="1"/>
+          </p:cNvSpPr>
+          <p:nvPr>
+            <p:ph type="dt" sz="half" idx="10"/>
+          </p:nvPr>
+        </p:nvSpPr>
+        <p:spPr/>
+        <p:txBody>
+          <a:bodyPr/>
+          <a:lstStyle/>
+          <a:p>
+            <a:r>
+              <a:rPr lang="en-US" smtClean="0"/>
+              <a:t>CS@UVa</a:t>
+            </a:r>
+            <a:endParaRPr lang="en-US"/>
+          </a:p>
+        </p:txBody>
+      </p:sp>
+      <p:sp>
+        <p:nvSpPr>
+          <p:cNvPr id="5" name="Footer Placeholder 4"/>
+          <p:cNvSpPr>
+            <a:spLocks noGrp="1"/>
+          </p:cNvSpPr>
+          <p:nvPr>
+            <p:ph type="ftr" sz="quarter" idx="11"/>
+          </p:nvPr>
+        </p:nvSpPr>
+        <p:spPr/>
+        <p:txBody>
+          <a:bodyPr/>
+          <a:lstStyle/>
+          <a:p>
+            <a:r>
+              <a:rPr lang="en-US" smtClean="0"/>
+              <a:t>CS4501: Information Retrieval</a:t>
+            </a:r>
+            <a:endParaRPr lang="en-US"/>
+          </a:p>
+        </p:txBody>
+      </p:sp>
+      <p:sp>
+        <p:nvSpPr>
+          <p:cNvPr id="6" name="Slide Number Placeholder 5"/>
+          <p:cNvSpPr>
+            <a:spLocks noGrp="1"/>
+          </p:cNvSpPr>
+          <p:nvPr>
+            <p:ph type="sldNum" sz="quarter" idx="12"/>
+          </p:nvPr>
+        </p:nvSpPr>
+        <p:spPr/>
+        <p:txBody>
+          <a:bodyPr/>
+          <a:lstStyle/>
+          <a:p>
+            <a:fld id="{93582EC2-63CB-4149-BC8B-E4DB3A07B74B}" type="slidenum">
+              <a:rPr lang="en-US" smtClean="0"/>
+              <a:t>30</a:t>
+            </a:fld>
+            <a:endParaRPr lang="en-US"/>
+          </a:p>
+        </p:txBody>
+      </p:sp>
+    </p:spTree>
+    <p:extLst>
+      <p:ext uri="{BB962C8B-B14F-4D97-AF65-F5344CB8AC3E}">
+        <p14:creationId xmlns:p14="http://schemas.microsoft.com/office/powerpoint/2010/main" val="2255136747"/>
+      </p:ext>
+    </p:extLst>
+  </p:cSld>
+  <p:clrMapOvr>
+    <a:masterClrMapping/>
+  </p:clrMapOvr>
+  <p:timing>
+    <p:tnLst>
+      <p:par>
+        <p:cTn id="1" dur="indefinite" restart="never" nodeType="tmRoot"/>
+      </p:par>
+    </p:tnLst>
+  </p:timing>
+</p:sld>
+</file>
+
+<file path=ppt/slides/slide31.xml><?xml version="1.0" encoding="utf-8"?>
+<p:sld xmlns:a="http://schemas.openxmlformats.org/drawingml/2006/main" xmlns:r="http://schemas.openxmlformats.org/officeDocument/2006/relationships" xmlns:p="http://schemas.openxmlformats.org/presentationml/2006/main">
+  <p:cSld>
+    <p:spTree>
+      <p:nvGrpSpPr>
+        <p:cNvPr id="1" name=""/>
+        <p:cNvGrpSpPr/>
+        <p:nvPr/>
+      </p:nvGrpSpPr>
+      <p:grpSpPr>
+        <a:xfrm>
+          <a:off x="0" y="0"/>
+          <a:ext cx="0" cy="0"/>
+          <a:chOff x="0" y="0"/>
+          <a:chExt cx="0" cy="0"/>
+        </a:xfrm>
+      </p:grpSpPr>
+      <p:sp>
+        <p:nvSpPr>
+          <p:cNvPr id="2" name="Title 1"/>
+          <p:cNvSpPr>
+            <a:spLocks noGrp="1"/>
+          </p:cNvSpPr>
+          <p:nvPr>
+            <p:ph type="title"/>
+          </p:nvPr>
+        </p:nvSpPr>
+        <p:spPr/>
+        <p:txBody>
+          <a:bodyPr/>
+          <a:lstStyle/>
+          <a:p>
+            <a:r>
+              <a:rPr lang="en-US" dirty="0" smtClean="0"/>
+              <a:t>Recap: HTML </a:t>
+            </a:r>
+            <a:r>
+              <a:rPr lang="en-US" dirty="0" smtClean="0"/>
+              <a:t>parsing</a:t>
+            </a:r>
+            <a:endParaRPr lang="en-US" dirty="0"/>
+          </a:p>
+        </p:txBody>
+      </p:sp>
+      <p:sp>
+        <p:nvSpPr>
+          <p:cNvPr id="3" name="Content Placeholder 2"/>
+          <p:cNvSpPr>
+            <a:spLocks noGrp="1"/>
+          </p:cNvSpPr>
+          <p:nvPr>
+            <p:ph idx="1"/>
+          </p:nvPr>
+        </p:nvSpPr>
+        <p:spPr>
+          <a:xfrm>
+            <a:off x="457200" y="1600200"/>
+            <a:ext cx="8229600" cy="4800600"/>
+          </a:xfrm>
+        </p:spPr>
+        <p:txBody>
+          <a:bodyPr>
+            <a:normAutofit lnSpcReduction="10000"/>
+          </a:bodyPr>
+          <a:lstStyle/>
+          <a:p>
+            <a:r>
+              <a:rPr lang="en-US" dirty="0" smtClean="0"/>
+              <a:t>Shallow </a:t>
+            </a:r>
+            <a:r>
+              <a:rPr lang="en-US" dirty="0" smtClean="0"/>
+              <a:t>parsing</a:t>
+            </a:r>
+          </a:p>
+          <a:p>
+            <a:pPr lvl="1"/>
+            <a:r>
+              <a:rPr lang="en-US" dirty="0" smtClean="0"/>
+              <a:t>Only </a:t>
+            </a:r>
+            <a:r>
+              <a:rPr lang="en-US" dirty="0" smtClean="0"/>
+              <a:t>keep text between &lt;title&gt;&lt;/title&gt; and &lt;p&gt;&lt;/p&gt;</a:t>
+            </a:r>
+          </a:p>
+          <a:p>
+            <a:r>
+              <a:rPr lang="en-US" dirty="0" smtClean="0"/>
+              <a:t>Automatic wrapper generation </a:t>
+            </a:r>
+            <a:r>
+              <a:rPr lang="en-US" baseline="30000" dirty="0" smtClean="0"/>
+              <a:t>[</a:t>
+            </a:r>
+            <a:r>
+              <a:rPr lang="en-US" baseline="30000" dirty="0" err="1" smtClean="0"/>
+              <a:t>Crescenzi</a:t>
+            </a:r>
+            <a:r>
+              <a:rPr lang="en-US" baseline="30000" dirty="0" smtClean="0"/>
+              <a:t> et al. VLDB’01]</a:t>
+            </a:r>
+          </a:p>
+          <a:p>
+            <a:pPr lvl="1"/>
+            <a:r>
+              <a:rPr lang="en-US" dirty="0" smtClean="0"/>
+              <a:t>Wrapper: regular expression for HTML tags’ </a:t>
+            </a:r>
+            <a:r>
+              <a:rPr lang="en-US" dirty="0" smtClean="0"/>
+              <a:t>combination</a:t>
+            </a:r>
+          </a:p>
+          <a:p>
+            <a:r>
+              <a:rPr lang="en-US" dirty="0" smtClean="0"/>
+              <a:t>Visual </a:t>
+            </a:r>
+            <a:r>
+              <a:rPr lang="en-US" dirty="0" smtClean="0"/>
+              <a:t>parsing </a:t>
+            </a:r>
+            <a:r>
+              <a:rPr lang="en-US" baseline="30000" dirty="0" smtClean="0"/>
+              <a:t>[Yang and Zhang DAR’01]</a:t>
+            </a:r>
+          </a:p>
+          <a:p>
+            <a:pPr lvl="1"/>
+            <a:r>
+              <a:rPr lang="en-US" dirty="0" smtClean="0"/>
+              <a:t>Frequent </a:t>
+            </a:r>
+            <a:r>
+              <a:rPr lang="en-US" dirty="0" smtClean="0"/>
+              <a:t>pattern mining </a:t>
+            </a:r>
+            <a:r>
+              <a:rPr lang="en-US" dirty="0"/>
+              <a:t>of </a:t>
+            </a:r>
+            <a:r>
+              <a:rPr lang="en-US" dirty="0" smtClean="0"/>
+              <a:t>visually similar HTML blocks</a:t>
+            </a:r>
+          </a:p>
+          <a:p>
+            <a:pPr lvl="1"/>
+            <a:endParaRPr lang="en-US" dirty="0" smtClean="0"/>
+          </a:p>
+          <a:p>
+            <a:pPr lvl="1"/>
+            <a:endParaRPr lang="en-US" dirty="0"/>
+          </a:p>
+        </p:txBody>
+      </p:sp>
+      <p:sp>
+        <p:nvSpPr>
+          <p:cNvPr id="4" name="Date Placeholder 3"/>
+          <p:cNvSpPr>
+            <a:spLocks noGrp="1"/>
+          </p:cNvSpPr>
+          <p:nvPr>
+            <p:ph type="dt" sz="half" idx="10"/>
+          </p:nvPr>
+        </p:nvSpPr>
+        <p:spPr/>
+        <p:txBody>
+          <a:bodyPr/>
+          <a:lstStyle/>
+          <a:p>
+            <a:r>
+              <a:rPr lang="en-US" smtClean="0"/>
+              <a:t>CS@UVa</a:t>
+            </a:r>
+            <a:endParaRPr lang="en-US"/>
+          </a:p>
+        </p:txBody>
+      </p:sp>
+      <p:sp>
+        <p:nvSpPr>
+          <p:cNvPr id="5" name="Footer Placeholder 4"/>
+          <p:cNvSpPr>
+            <a:spLocks noGrp="1"/>
+          </p:cNvSpPr>
+          <p:nvPr>
+            <p:ph type="ftr" sz="quarter" idx="11"/>
+          </p:nvPr>
+        </p:nvSpPr>
+        <p:spPr/>
+        <p:txBody>
+          <a:bodyPr/>
+          <a:lstStyle/>
+          <a:p>
+            <a:r>
+              <a:rPr lang="en-US" smtClean="0"/>
+              <a:t>CS4501: Information Retrieval</a:t>
+            </a:r>
+            <a:endParaRPr lang="en-US"/>
+          </a:p>
+        </p:txBody>
+      </p:sp>
+      <p:sp>
+        <p:nvSpPr>
+          <p:cNvPr id="6" name="Slide Number Placeholder 5"/>
+          <p:cNvSpPr>
+            <a:spLocks noGrp="1"/>
+          </p:cNvSpPr>
+          <p:nvPr>
+            <p:ph type="sldNum" sz="quarter" idx="12"/>
+          </p:nvPr>
+        </p:nvSpPr>
+        <p:spPr/>
+        <p:txBody>
+          <a:bodyPr/>
+          <a:lstStyle/>
+          <a:p>
+            <a:fld id="{93582EC2-63CB-4149-BC8B-E4DB3A07B74B}" type="slidenum">
+              <a:rPr lang="en-US" smtClean="0"/>
+              <a:t>31</a:t>
+            </a:fld>
+            <a:endParaRPr lang="en-US"/>
+          </a:p>
+        </p:txBody>
+      </p:sp>
+    </p:spTree>
+    <p:extLst>
+      <p:ext uri="{BB962C8B-B14F-4D97-AF65-F5344CB8AC3E}">
+        <p14:creationId xmlns:p14="http://schemas.microsoft.com/office/powerpoint/2010/main" val="1511255157"/>
+      </p:ext>
+    </p:extLst>
+  </p:cSld>
+  <p:clrMapOvr>
+    <a:masterClrMapping/>
+  </p:clrMapOvr>
+  <p:timing>
+    <p:tnLst>
+      <p:par>
+        <p:cTn id="1" dur="indefinite" restart="never" nodeType="tmRoot"/>
+      </p:par>
+    </p:tnLst>
+  </p:timing>
+</p:sld>
+</file>
+
+<file path=ppt/slides/slide32.xml><?xml version="1.0" encoding="utf-8"?>
+<p:sld xmlns:a="http://schemas.openxmlformats.org/drawingml/2006/main" xmlns:r="http://schemas.openxmlformats.org/officeDocument/2006/relationships" xmlns:p="http://schemas.openxmlformats.org/presentationml/2006/main">
+  <p:cSld>
+    <p:spTree>
+      <p:nvGrpSpPr>
+        <p:cNvPr id="1" name=""/>
+        <p:cNvGrpSpPr/>
+        <p:nvPr/>
+      </p:nvGrpSpPr>
+      <p:grpSpPr>
+        <a:xfrm>
+          <a:off x="0" y="0"/>
+          <a:ext cx="0" cy="0"/>
+          <a:chOff x="0" y="0"/>
+          <a:chExt cx="0" cy="0"/>
+        </a:xfrm>
+      </p:grpSpPr>
+      <p:sp>
+        <p:nvSpPr>
+          <p:cNvPr id="2" name="Title 1"/>
+          <p:cNvSpPr>
+            <a:spLocks noGrp="1"/>
+          </p:cNvSpPr>
+          <p:nvPr>
+            <p:ph type="title"/>
+          </p:nvPr>
+        </p:nvSpPr>
+        <p:spPr/>
+        <p:txBody>
+          <a:bodyPr/>
+          <a:lstStyle/>
+          <a:p>
+            <a:r>
+              <a:rPr lang="en-US" dirty="0" smtClean="0"/>
+              <a:t>Recap: full </a:t>
+            </a:r>
+            <a:r>
+              <a:rPr lang="en-US" dirty="0" smtClean="0"/>
+              <a:t>text </a:t>
+            </a:r>
+            <a:r>
+              <a:rPr lang="en-US" dirty="0"/>
+              <a:t>indexing</a:t>
+            </a:r>
+          </a:p>
+        </p:txBody>
+      </p:sp>
+      <p:sp>
+        <p:nvSpPr>
+          <p:cNvPr id="3" name="Content Placeholder 2"/>
+          <p:cNvSpPr>
+            <a:spLocks noGrp="1"/>
+          </p:cNvSpPr>
+          <p:nvPr>
+            <p:ph idx="1"/>
+          </p:nvPr>
+        </p:nvSpPr>
+        <p:spPr/>
+        <p:txBody>
+          <a:bodyPr/>
+          <a:lstStyle/>
+          <a:p>
+            <a:r>
+              <a:rPr lang="en-US" dirty="0" smtClean="0"/>
+              <a:t>Bag-of-Words representation</a:t>
+            </a:r>
+          </a:p>
+          <a:p>
+            <a:pPr lvl="1"/>
+            <a:r>
+              <a:rPr lang="en-US" dirty="0" smtClean="0"/>
+              <a:t>Doc1: Information retrieval is helpful for everyone.</a:t>
+            </a:r>
+          </a:p>
+          <a:p>
+            <a:pPr lvl="1"/>
+            <a:r>
+              <a:rPr lang="en-US" dirty="0" smtClean="0"/>
+              <a:t>Doc2: Helpful information is retrieved for you.</a:t>
+            </a:r>
+            <a:endParaRPr lang="en-US" dirty="0"/>
+          </a:p>
+        </p:txBody>
+      </p:sp>
+      <p:graphicFrame>
+        <p:nvGraphicFramePr>
+          <p:cNvPr id="4" name="Table 3"/>
+          <p:cNvGraphicFramePr>
+            <a:graphicFrameLocks noGrp="1"/>
+          </p:cNvGraphicFramePr>
+          <p:nvPr>
+            <p:extLst/>
+          </p:nvPr>
+        </p:nvGraphicFramePr>
+        <p:xfrm>
+          <a:off x="762001" y="3657600"/>
+          <a:ext cx="7848600" cy="1097280"/>
+        </p:xfrm>
+        <a:graphic>
+          <a:graphicData uri="http://schemas.openxmlformats.org/drawingml/2006/table">
+            <a:tbl>
+              <a:tblPr firstRow="1" bandRow="1">
+                <a:tableStyleId>{5940675A-B579-460E-94D1-54222C63F5DA}</a:tableStyleId>
+              </a:tblPr>
+              <a:tblGrid>
+                <a:gridCol w="761999"/>
+                <a:gridCol w="1371600"/>
+                <a:gridCol w="1066800"/>
+                <a:gridCol w="1066800"/>
+                <a:gridCol w="457200"/>
+                <a:gridCol w="914400"/>
+                <a:gridCol w="533400"/>
+                <a:gridCol w="609600"/>
+                <a:gridCol w="1066801"/>
+              </a:tblGrid>
+              <a:tr h="294515">
+                <a:tc>
+                  <a:txBody>
+                    <a:bodyPr/>
+                    <a:lstStyle/>
+                    <a:p>
+                      <a:pPr algn="ctr"/>
+                      <a:endParaRPr lang="en-US" dirty="0"/>
+                    </a:p>
+                  </a:txBody>
+                  <a:tcPr/>
+                </a:tc>
+                <a:tc>
+                  <a:txBody>
+                    <a:bodyPr/>
+                    <a:lstStyle/>
+                    <a:p>
+                      <a:pPr algn="ctr"/>
+                      <a:r>
+                        <a:rPr lang="en-US" dirty="0" smtClean="0"/>
+                        <a:t>information</a:t>
+                      </a:r>
+                      <a:endParaRPr lang="en-US" dirty="0"/>
+                    </a:p>
+                  </a:txBody>
+                  <a:tcPr/>
+                </a:tc>
+                <a:tc>
+                  <a:txBody>
+                    <a:bodyPr/>
+                    <a:lstStyle/>
+                    <a:p>
+                      <a:pPr algn="ctr"/>
+                      <a:r>
+                        <a:rPr lang="en-US" dirty="0" smtClean="0"/>
+                        <a:t>retrieval</a:t>
+                      </a:r>
+                      <a:endParaRPr lang="en-US" dirty="0"/>
+                    </a:p>
+                  </a:txBody>
+                  <a:tcPr/>
+                </a:tc>
+                <a:tc>
+                  <a:txBody>
+                    <a:bodyPr/>
+                    <a:lstStyle/>
+                    <a:p>
+                      <a:pPr algn="ctr"/>
+                      <a:r>
+                        <a:rPr lang="en-US" dirty="0" smtClean="0"/>
+                        <a:t>retrieved</a:t>
+                      </a:r>
+                      <a:endParaRPr lang="en-US" dirty="0"/>
+                    </a:p>
+                  </a:txBody>
+                  <a:tcPr/>
+                </a:tc>
+                <a:tc>
+                  <a:txBody>
+                    <a:bodyPr/>
+                    <a:lstStyle/>
+                    <a:p>
+                      <a:pPr algn="ctr"/>
+                      <a:r>
+                        <a:rPr lang="en-US" dirty="0" smtClean="0"/>
+                        <a:t>is</a:t>
+                      </a:r>
+                      <a:endParaRPr lang="en-US" dirty="0"/>
+                    </a:p>
+                  </a:txBody>
+                  <a:tcPr/>
+                </a:tc>
+                <a:tc>
+                  <a:txBody>
+                    <a:bodyPr/>
+                    <a:lstStyle/>
+                    <a:p>
+                      <a:pPr algn="ctr"/>
+                      <a:r>
+                        <a:rPr lang="en-US" dirty="0" smtClean="0"/>
+                        <a:t>helpful</a:t>
+                      </a:r>
+                      <a:endParaRPr lang="en-US" dirty="0"/>
+                    </a:p>
+                  </a:txBody>
+                  <a:tcPr/>
+                </a:tc>
+                <a:tc>
+                  <a:txBody>
+                    <a:bodyPr/>
+                    <a:lstStyle/>
+                    <a:p>
+                      <a:pPr algn="ctr"/>
+                      <a:r>
+                        <a:rPr lang="en-US" dirty="0" smtClean="0"/>
+                        <a:t>for </a:t>
+                      </a:r>
+                      <a:endParaRPr lang="en-US" dirty="0"/>
+                    </a:p>
+                  </a:txBody>
+                  <a:tcPr/>
+                </a:tc>
+                <a:tc>
+                  <a:txBody>
+                    <a:bodyPr/>
+                    <a:lstStyle/>
+                    <a:p>
+                      <a:pPr algn="ctr"/>
+                      <a:r>
+                        <a:rPr lang="en-US" dirty="0" smtClean="0"/>
+                        <a:t>you</a:t>
+                      </a:r>
+                      <a:endParaRPr lang="en-US" dirty="0"/>
+                    </a:p>
+                  </a:txBody>
+                  <a:tcPr/>
+                </a:tc>
+                <a:tc>
+                  <a:txBody>
+                    <a:bodyPr/>
+                    <a:lstStyle/>
+                    <a:p>
+                      <a:pPr algn="ctr"/>
+                      <a:r>
+                        <a:rPr lang="en-US" dirty="0" smtClean="0"/>
+                        <a:t>everyone</a:t>
+                      </a:r>
+                      <a:endParaRPr lang="en-US" dirty="0"/>
+                    </a:p>
+                  </a:txBody>
+                  <a:tcPr/>
+                </a:tc>
+              </a:tr>
+              <a:tr h="119442">
+                <a:tc>
+                  <a:txBody>
+                    <a:bodyPr/>
+                    <a:lstStyle/>
+                    <a:p>
+                      <a:pPr algn="ctr"/>
+                      <a:r>
+                        <a:rPr lang="en-US" dirty="0" smtClean="0"/>
+                        <a:t>Doc1</a:t>
+                      </a:r>
+                      <a:endParaRPr lang="en-US" dirty="0"/>
+                    </a:p>
+                  </a:txBody>
+                  <a:tcPr/>
+                </a:tc>
+                <a:tc>
+                  <a:txBody>
+                    <a:bodyPr/>
+                    <a:lstStyle/>
+                    <a:p>
+                      <a:pPr algn="ctr"/>
+                      <a:r>
+                        <a:rPr lang="en-US" dirty="0" smtClean="0"/>
+                        <a:t>1</a:t>
+                      </a:r>
+                      <a:endParaRPr lang="en-US" dirty="0"/>
+                    </a:p>
+                  </a:txBody>
+                  <a:tcPr/>
+                </a:tc>
+                <a:tc>
+                  <a:txBody>
+                    <a:bodyPr/>
+                    <a:lstStyle/>
+                    <a:p>
+                      <a:pPr algn="ctr"/>
+                      <a:r>
+                        <a:rPr lang="en-US" dirty="0" smtClean="0"/>
+                        <a:t>1</a:t>
+                      </a:r>
+                      <a:endParaRPr lang="en-US" dirty="0"/>
+                    </a:p>
+                  </a:txBody>
+                  <a:tcPr/>
+                </a:tc>
+                <a:tc>
+                  <a:txBody>
+                    <a:bodyPr/>
+                    <a:lstStyle/>
+                    <a:p>
+                      <a:pPr algn="ctr"/>
+                      <a:r>
+                        <a:rPr lang="en-US" dirty="0" smtClean="0"/>
+                        <a:t>0</a:t>
+                      </a:r>
+                      <a:endParaRPr lang="en-US" dirty="0"/>
+                    </a:p>
+                  </a:txBody>
+                  <a:tcPr/>
+                </a:tc>
+                <a:tc>
+                  <a:txBody>
+                    <a:bodyPr/>
+                    <a:lstStyle/>
+                    <a:p>
+                      <a:pPr algn="ctr"/>
+                      <a:r>
+                        <a:rPr lang="en-US" dirty="0" smtClean="0"/>
+                        <a:t>1</a:t>
+                      </a:r>
+                      <a:endParaRPr lang="en-US" dirty="0"/>
+                    </a:p>
+                  </a:txBody>
+                  <a:tcPr/>
+                </a:tc>
+                <a:tc>
+                  <a:txBody>
+                    <a:bodyPr/>
+                    <a:lstStyle/>
+                    <a:p>
+                      <a:pPr algn="ctr"/>
+                      <a:r>
+                        <a:rPr lang="en-US" dirty="0" smtClean="0"/>
+                        <a:t>1</a:t>
+                      </a:r>
+                      <a:endParaRPr lang="en-US" dirty="0"/>
+                    </a:p>
+                  </a:txBody>
+                  <a:tcPr/>
+                </a:tc>
+                <a:tc>
+                  <a:txBody>
+                    <a:bodyPr/>
+                    <a:lstStyle/>
+                    <a:p>
+                      <a:pPr algn="ctr"/>
+                      <a:r>
+                        <a:rPr lang="en-US" dirty="0" smtClean="0"/>
+                        <a:t>1</a:t>
+                      </a:r>
+                      <a:endParaRPr lang="en-US" dirty="0"/>
+                    </a:p>
+                  </a:txBody>
+                  <a:tcPr/>
+                </a:tc>
+                <a:tc>
+                  <a:txBody>
+                    <a:bodyPr/>
+                    <a:lstStyle/>
+                    <a:p>
+                      <a:pPr algn="ctr"/>
+                      <a:r>
+                        <a:rPr lang="en-US" dirty="0" smtClean="0"/>
+                        <a:t>0</a:t>
+                      </a:r>
+                      <a:endParaRPr lang="en-US" dirty="0"/>
+                    </a:p>
+                  </a:txBody>
+                  <a:tcPr/>
+                </a:tc>
+                <a:tc>
+                  <a:txBody>
+                    <a:bodyPr/>
+                    <a:lstStyle/>
+                    <a:p>
+                      <a:pPr algn="ctr"/>
+                      <a:r>
+                        <a:rPr lang="en-US" dirty="0" smtClean="0"/>
+                        <a:t>1</a:t>
+                      </a:r>
+                      <a:endParaRPr lang="en-US" dirty="0"/>
+                    </a:p>
+                  </a:txBody>
+                  <a:tcPr/>
+                </a:tc>
+              </a:tr>
+              <a:tr h="119442">
+                <a:tc>
+                  <a:txBody>
+                    <a:bodyPr/>
+                    <a:lstStyle/>
+                    <a:p>
+                      <a:pPr algn="ctr"/>
+                      <a:r>
+                        <a:rPr lang="en-US" dirty="0" smtClean="0"/>
+                        <a:t>Doc2</a:t>
+                      </a:r>
+                      <a:endParaRPr lang="en-US" dirty="0"/>
+                    </a:p>
+                  </a:txBody>
+                  <a:tcPr/>
+                </a:tc>
+                <a:tc>
+                  <a:txBody>
+                    <a:bodyPr/>
+                    <a:lstStyle/>
+                    <a:p>
+                      <a:pPr algn="ctr"/>
+                      <a:r>
+                        <a:rPr lang="en-US" dirty="0" smtClean="0"/>
+                        <a:t>1</a:t>
+                      </a:r>
+                      <a:endParaRPr lang="en-US" dirty="0"/>
+                    </a:p>
+                  </a:txBody>
+                  <a:tcPr/>
+                </a:tc>
+                <a:tc>
+                  <a:txBody>
+                    <a:bodyPr/>
+                    <a:lstStyle/>
+                    <a:p>
+                      <a:pPr algn="ctr"/>
+                      <a:r>
+                        <a:rPr lang="en-US" dirty="0" smtClean="0"/>
+                        <a:t>0</a:t>
+                      </a:r>
+                      <a:endParaRPr lang="en-US" dirty="0"/>
+                    </a:p>
+                  </a:txBody>
+                  <a:tcPr/>
+                </a:tc>
+                <a:tc>
+                  <a:txBody>
+                    <a:bodyPr/>
+                    <a:lstStyle/>
+                    <a:p>
+                      <a:pPr algn="ctr"/>
+                      <a:r>
+                        <a:rPr lang="en-US" dirty="0" smtClean="0"/>
+                        <a:t>1</a:t>
+                      </a:r>
+                      <a:endParaRPr lang="en-US" dirty="0"/>
+                    </a:p>
+                  </a:txBody>
+                  <a:tcPr/>
+                </a:tc>
+                <a:tc>
+                  <a:txBody>
+                    <a:bodyPr/>
+                    <a:lstStyle/>
+                    <a:p>
+                      <a:pPr algn="ctr"/>
+                      <a:r>
+                        <a:rPr lang="en-US" dirty="0" smtClean="0"/>
+                        <a:t>1</a:t>
+                      </a:r>
+                      <a:endParaRPr lang="en-US" dirty="0"/>
+                    </a:p>
+                  </a:txBody>
+                  <a:tcPr/>
+                </a:tc>
+                <a:tc>
+                  <a:txBody>
+                    <a:bodyPr/>
+                    <a:lstStyle/>
+                    <a:p>
+                      <a:pPr algn="ctr"/>
+                      <a:r>
+                        <a:rPr lang="en-US" dirty="0" smtClean="0"/>
+                        <a:t>1</a:t>
+                      </a:r>
+                      <a:endParaRPr lang="en-US" dirty="0"/>
+                    </a:p>
+                  </a:txBody>
+                  <a:tcPr/>
+                </a:tc>
+                <a:tc>
+                  <a:txBody>
+                    <a:bodyPr/>
+                    <a:lstStyle/>
+                    <a:p>
+                      <a:pPr algn="ctr"/>
+                      <a:r>
+                        <a:rPr lang="en-US" dirty="0" smtClean="0"/>
+                        <a:t>1</a:t>
+                      </a:r>
+                      <a:endParaRPr lang="en-US" dirty="0"/>
+                    </a:p>
+                  </a:txBody>
+                  <a:tcPr/>
+                </a:tc>
+                <a:tc>
+                  <a:txBody>
+                    <a:bodyPr/>
+                    <a:lstStyle/>
+                    <a:p>
+                      <a:pPr algn="ctr"/>
+                      <a:r>
+                        <a:rPr lang="en-US" dirty="0" smtClean="0"/>
+                        <a:t>1</a:t>
+                      </a:r>
+                      <a:endParaRPr lang="en-US" dirty="0"/>
+                    </a:p>
+                  </a:txBody>
+                  <a:tcPr/>
+                </a:tc>
+                <a:tc>
+                  <a:txBody>
+                    <a:bodyPr/>
+                    <a:lstStyle/>
+                    <a:p>
+                      <a:pPr algn="ctr"/>
+                      <a:r>
+                        <a:rPr lang="en-US" dirty="0" smtClean="0"/>
+                        <a:t>0</a:t>
+                      </a:r>
+                      <a:endParaRPr lang="en-US" dirty="0"/>
+                    </a:p>
+                  </a:txBody>
+                  <a:tcPr/>
+                </a:tc>
+              </a:tr>
+            </a:tbl>
+          </a:graphicData>
+        </a:graphic>
+      </p:graphicFrame>
+      <p:grpSp>
+        <p:nvGrpSpPr>
+          <p:cNvPr id="8" name="Group 7"/>
+          <p:cNvGrpSpPr/>
+          <p:nvPr/>
+        </p:nvGrpSpPr>
+        <p:grpSpPr>
+          <a:xfrm>
+            <a:off x="4572000" y="4888468"/>
+            <a:ext cx="3581400" cy="902732"/>
+            <a:chOff x="4572000" y="4876800"/>
+            <a:chExt cx="3581400" cy="902732"/>
+          </a:xfrm>
+        </p:grpSpPr>
+        <p:sp>
+          <p:nvSpPr>
+            <p:cNvPr id="5" name="TextBox 4"/>
+            <p:cNvSpPr txBox="1"/>
+            <p:nvPr/>
+          </p:nvSpPr>
+          <p:spPr>
+            <a:xfrm>
+              <a:off x="4572000" y="5410200"/>
+              <a:ext cx="3581400" cy="369332"/>
+            </a:xfrm>
+            <a:prstGeom prst="rect">
+              <a:avLst/>
+            </a:prstGeom>
+            <a:noFill/>
+          </p:spPr>
+          <p:txBody>
+            <a:bodyPr wrap="square" rtlCol="0">
+              <a:spAutoFit/>
+            </a:bodyPr>
+            <a:lstStyle/>
+            <a:p>
+              <a:r>
+                <a:rPr lang="en-US" dirty="0" smtClean="0"/>
+                <a:t>Word-document adjacency matrix</a:t>
+              </a:r>
+              <a:endParaRPr lang="en-US" dirty="0"/>
+            </a:p>
+          </p:txBody>
+        </p:sp>
+        <p:cxnSp>
+          <p:nvCxnSpPr>
+            <p:cNvPr id="7" name="Straight Arrow Connector 6"/>
+            <p:cNvCxnSpPr/>
+            <p:nvPr/>
+          </p:nvCxnSpPr>
+          <p:spPr>
+            <a:xfrm flipH="1" flipV="1">
+              <a:off x="5105400" y="4876800"/>
+              <a:ext cx="381000" cy="533400"/>
+            </a:xfrm>
+            <a:prstGeom prst="straightConnector1">
+              <a:avLst/>
+            </a:prstGeom>
+            <a:ln w="28575">
+              <a:solidFill>
+                <a:srgbClr val="FF0000"/>
+              </a:solidFill>
+              <a:tailEnd type="arrow"/>
+            </a:ln>
+          </p:spPr>
+          <p:style>
+            <a:lnRef idx="1">
+              <a:schemeClr val="accent1"/>
+            </a:lnRef>
+            <a:fillRef idx="0">
+              <a:schemeClr val="accent1"/>
+            </a:fillRef>
+            <a:effectRef idx="0">
+              <a:schemeClr val="accent1"/>
+            </a:effectRef>
+            <a:fontRef idx="minor">
+              <a:schemeClr val="tx1"/>
+            </a:fontRef>
+          </p:style>
+        </p:cxnSp>
+      </p:grpSp>
+      <p:sp>
+        <p:nvSpPr>
+          <p:cNvPr id="9" name="Date Placeholder 8"/>
+          <p:cNvSpPr>
+            <a:spLocks noGrp="1"/>
+          </p:cNvSpPr>
+          <p:nvPr>
+            <p:ph type="dt" sz="half" idx="10"/>
+          </p:nvPr>
+        </p:nvSpPr>
+        <p:spPr/>
+        <p:txBody>
+          <a:bodyPr/>
+          <a:lstStyle/>
+          <a:p>
+            <a:r>
+              <a:rPr lang="en-US" smtClean="0"/>
+              <a:t>CS@UVa</a:t>
+            </a:r>
+            <a:endParaRPr lang="en-US"/>
+          </a:p>
+        </p:txBody>
+      </p:sp>
+      <p:sp>
+        <p:nvSpPr>
+          <p:cNvPr id="10" name="Footer Placeholder 9"/>
+          <p:cNvSpPr>
+            <a:spLocks noGrp="1"/>
+          </p:cNvSpPr>
+          <p:nvPr>
+            <p:ph type="ftr" sz="quarter" idx="11"/>
+          </p:nvPr>
+        </p:nvSpPr>
+        <p:spPr/>
+        <p:txBody>
+          <a:bodyPr/>
+          <a:lstStyle/>
+          <a:p>
+            <a:r>
+              <a:rPr lang="en-US" smtClean="0"/>
+              <a:t>CS4501: Information Retrieval</a:t>
+            </a:r>
+            <a:endParaRPr lang="en-US"/>
+          </a:p>
+        </p:txBody>
+      </p:sp>
+      <p:sp>
+        <p:nvSpPr>
+          <p:cNvPr id="11" name="Slide Number Placeholder 10"/>
+          <p:cNvSpPr>
+            <a:spLocks noGrp="1"/>
+          </p:cNvSpPr>
+          <p:nvPr>
+            <p:ph type="sldNum" sz="quarter" idx="12"/>
+          </p:nvPr>
+        </p:nvSpPr>
+        <p:spPr/>
+        <p:txBody>
+          <a:bodyPr/>
+          <a:lstStyle/>
+          <a:p>
+            <a:fld id="{93582EC2-63CB-4149-BC8B-E4DB3A07B74B}" type="slidenum">
+              <a:rPr lang="en-US" smtClean="0"/>
+              <a:t>32</a:t>
+            </a:fld>
+            <a:endParaRPr lang="en-US"/>
+          </a:p>
+        </p:txBody>
+      </p:sp>
+    </p:spTree>
+    <p:extLst>
+      <p:ext uri="{BB962C8B-B14F-4D97-AF65-F5344CB8AC3E}">
+        <p14:creationId xmlns:p14="http://schemas.microsoft.com/office/powerpoint/2010/main" val="1753163297"/>
+      </p:ext>
+    </p:extLst>
+  </p:cSld>
+  <p:clrMapOvr>
+    <a:masterClrMapping/>
+  </p:clrMapOvr>
+  <p:timing>
+    <p:tnLst>
+      <p:par>
+        <p:cTn id="1" dur="indefinite" restart="never" nodeType="tmRoot"/>
+      </p:par>
+    </p:tnLst>
+  </p:timing>
+</p:sld>
+</file>
+
+<file path=ppt/slides/slide33.xml><?xml version="1.0" encoding="utf-8"?>
+<p:sld xmlns:a="http://schemas.openxmlformats.org/drawingml/2006/main" xmlns:r="http://schemas.openxmlformats.org/officeDocument/2006/relationships" xmlns:p="http://schemas.openxmlformats.org/presentationml/2006/main">
+  <p:cSld>
+    <p:spTree>
+      <p:nvGrpSpPr>
+        <p:cNvPr id="1" name=""/>
+        <p:cNvGrpSpPr/>
+        <p:nvPr/>
+      </p:nvGrpSpPr>
+      <p:grpSpPr>
+        <a:xfrm>
+          <a:off x="0" y="0"/>
+          <a:ext cx="0" cy="0"/>
+          <a:chOff x="0" y="0"/>
+          <a:chExt cx="0" cy="0"/>
+        </a:xfrm>
+      </p:grpSpPr>
+      <p:sp>
+        <p:nvSpPr>
+          <p:cNvPr id="2" name="Title 1"/>
+          <p:cNvSpPr>
+            <a:spLocks noGrp="1"/>
+          </p:cNvSpPr>
+          <p:nvPr>
+            <p:ph type="title"/>
+          </p:nvPr>
+        </p:nvSpPr>
+        <p:spPr/>
+        <p:txBody>
+          <a:bodyPr/>
+          <a:lstStyle/>
+          <a:p>
+            <a:r>
+              <a:rPr lang="en-US" dirty="0" smtClean="0"/>
+              <a:t>Recap: tokenization</a:t>
+            </a:r>
+            <a:endParaRPr lang="en-US" dirty="0"/>
+          </a:p>
+        </p:txBody>
+      </p:sp>
+      <p:sp>
+        <p:nvSpPr>
+          <p:cNvPr id="3" name="Content Placeholder 2"/>
+          <p:cNvSpPr>
+            <a:spLocks noGrp="1"/>
+          </p:cNvSpPr>
+          <p:nvPr>
+            <p:ph idx="1"/>
+          </p:nvPr>
+        </p:nvSpPr>
+        <p:spPr/>
+        <p:txBody>
+          <a:bodyPr/>
+          <a:lstStyle/>
+          <a:p>
+            <a:r>
+              <a:rPr lang="en-US" dirty="0"/>
+              <a:t>Break a stream of text into meaningful units</a:t>
+            </a:r>
+          </a:p>
+          <a:p>
+            <a:pPr lvl="1"/>
+            <a:r>
+              <a:rPr lang="en-US" dirty="0" smtClean="0"/>
+              <a:t>Rule-based solution: regular expressions</a:t>
+            </a:r>
+          </a:p>
+          <a:p>
+            <a:pPr lvl="1"/>
+            <a:r>
+              <a:rPr lang="en-US" dirty="0"/>
+              <a:t>Statistical </a:t>
+            </a:r>
+            <a:r>
+              <a:rPr lang="en-US" dirty="0" smtClean="0"/>
+              <a:t>methods: learning-based solution to predict word boundaries</a:t>
+            </a:r>
+          </a:p>
+          <a:p>
+            <a:pPr lvl="1"/>
+            <a:endParaRPr lang="en-US" dirty="0" smtClean="0"/>
+          </a:p>
+          <a:p>
+            <a:pPr lvl="2"/>
+            <a:endParaRPr lang="en-US" dirty="0"/>
+          </a:p>
+          <a:p>
+            <a:pPr lvl="1"/>
+            <a:endParaRPr lang="en-US" dirty="0" smtClean="0"/>
+          </a:p>
+          <a:p>
+            <a:pPr lvl="1"/>
+            <a:endParaRPr lang="en-US" dirty="0"/>
+          </a:p>
+        </p:txBody>
+      </p:sp>
+      <p:sp>
+        <p:nvSpPr>
+          <p:cNvPr id="4" name="Date Placeholder 3"/>
+          <p:cNvSpPr>
+            <a:spLocks noGrp="1"/>
+          </p:cNvSpPr>
+          <p:nvPr>
+            <p:ph type="dt" sz="half" idx="10"/>
+          </p:nvPr>
+        </p:nvSpPr>
+        <p:spPr/>
+        <p:txBody>
+          <a:bodyPr/>
+          <a:lstStyle/>
+          <a:p>
+            <a:r>
+              <a:rPr lang="en-US" smtClean="0"/>
+              <a:t>CS@UVa</a:t>
+            </a:r>
+            <a:endParaRPr lang="en-US"/>
+          </a:p>
+        </p:txBody>
+      </p:sp>
+      <p:sp>
+        <p:nvSpPr>
+          <p:cNvPr id="5" name="Footer Placeholder 4"/>
+          <p:cNvSpPr>
+            <a:spLocks noGrp="1"/>
+          </p:cNvSpPr>
+          <p:nvPr>
+            <p:ph type="ftr" sz="quarter" idx="11"/>
+          </p:nvPr>
+        </p:nvSpPr>
+        <p:spPr/>
+        <p:txBody>
+          <a:bodyPr/>
+          <a:lstStyle/>
+          <a:p>
+            <a:r>
+              <a:rPr lang="en-US" smtClean="0"/>
+              <a:t>CS4501: Information Retrieval</a:t>
+            </a:r>
+            <a:endParaRPr lang="en-US"/>
+          </a:p>
+        </p:txBody>
+      </p:sp>
+      <p:sp>
+        <p:nvSpPr>
+          <p:cNvPr id="6" name="Slide Number Placeholder 5"/>
+          <p:cNvSpPr>
+            <a:spLocks noGrp="1"/>
+          </p:cNvSpPr>
+          <p:nvPr>
+            <p:ph type="sldNum" sz="quarter" idx="12"/>
+          </p:nvPr>
+        </p:nvSpPr>
+        <p:spPr/>
+        <p:txBody>
+          <a:bodyPr/>
+          <a:lstStyle/>
+          <a:p>
+            <a:fld id="{93582EC2-63CB-4149-BC8B-E4DB3A07B74B}" type="slidenum">
+              <a:rPr lang="en-US" smtClean="0"/>
+              <a:t>33</a:t>
+            </a:fld>
+            <a:endParaRPr lang="en-US"/>
+          </a:p>
+        </p:txBody>
+      </p:sp>
+    </p:spTree>
+    <p:extLst>
+      <p:ext uri="{BB962C8B-B14F-4D97-AF65-F5344CB8AC3E}">
+        <p14:creationId xmlns:p14="http://schemas.microsoft.com/office/powerpoint/2010/main" val="1887792072"/>
+      </p:ext>
+    </p:extLst>
+  </p:cSld>
+  <p:clrMapOvr>
+    <a:masterClrMapping/>
+  </p:clrMapOvr>
+  <p:timing>
+    <p:tnLst>
+      <p:par>
+        <p:cTn id="1" dur="indefinite" restart="never" nodeType="tmRoot"/>
+      </p:par>
+    </p:tnLst>
+  </p:timing>
+</p:sld>
+</file>
+
+<file path=ppt/slides/slide34.xml><?xml version="1.0" encoding="utf-8"?>
+<p:sld xmlns:a="http://schemas.openxmlformats.org/drawingml/2006/main" xmlns:r="http://schemas.openxmlformats.org/officeDocument/2006/relationships" xmlns:p="http://schemas.openxmlformats.org/presentationml/2006/main">
+  <p:cSld>
+    <p:spTree>
+      <p:nvGrpSpPr>
+        <p:cNvPr id="1" name=""/>
+        <p:cNvGrpSpPr/>
+        <p:nvPr/>
+      </p:nvGrpSpPr>
+      <p:grpSpPr>
+        <a:xfrm>
+          <a:off x="0" y="0"/>
+          <a:ext cx="0" cy="0"/>
+          <a:chOff x="0" y="0"/>
+          <a:chExt cx="0" cy="0"/>
+        </a:xfrm>
+      </p:grpSpPr>
+      <p:sp>
+        <p:nvSpPr>
+          <p:cNvPr id="2" name="Title 1"/>
+          <p:cNvSpPr>
+            <a:spLocks noGrp="1"/>
+          </p:cNvSpPr>
+          <p:nvPr>
+            <p:ph type="title"/>
+          </p:nvPr>
+        </p:nvSpPr>
+        <p:spPr/>
+        <p:txBody>
+          <a:bodyPr/>
+          <a:lstStyle/>
+          <a:p>
+            <a:r>
+              <a:rPr lang="en-US" dirty="0"/>
+              <a:t>Recap: full text indexing</a:t>
+            </a:r>
+          </a:p>
+        </p:txBody>
+      </p:sp>
+      <mc:AlternateContent xmlns:mc="http://schemas.openxmlformats.org/markup-compatibility/2006">
+        <mc:Choice xmlns:a14="http://schemas.microsoft.com/office/drawing/2010/main" Requires="a14">
+          <p:sp>
+            <p:nvSpPr>
+              <p:cNvPr id="3" name="Content Placeholder 2"/>
+              <p:cNvSpPr>
+                <a:spLocks noGrp="1"/>
+              </p:cNvSpPr>
+              <p:nvPr>
+                <p:ph idx="1"/>
+              </p:nvPr>
+            </p:nvSpPr>
+            <p:spPr/>
+            <p:txBody>
+              <a:bodyPr>
+                <a:normAutofit lnSpcReduction="10000"/>
+              </a:bodyPr>
+              <a:lstStyle/>
+              <a:p>
+                <a:r>
+                  <a:rPr lang="en-US" dirty="0"/>
+                  <a:t>Improved Bag-of-Words representation</a:t>
+                </a:r>
+              </a:p>
+              <a:p>
+                <a:pPr lvl="1"/>
+                <a:r>
+                  <a:rPr lang="en-US" dirty="0"/>
+                  <a:t>N-grams: a contiguous sequence of n items from a given sequence of text</a:t>
+                </a:r>
+              </a:p>
+              <a:p>
+                <a:r>
+                  <a:rPr lang="en-US" dirty="0" smtClean="0"/>
+                  <a:t>Summary </a:t>
+                </a:r>
+              </a:p>
+              <a:p>
+                <a:pPr lvl="1"/>
+                <a:r>
+                  <a:rPr lang="en-US" dirty="0" smtClean="0"/>
+                  <a:t>Pros</a:t>
+                </a:r>
+                <a:endParaRPr lang="en-US" dirty="0"/>
+              </a:p>
+              <a:p>
+                <a:pPr lvl="2"/>
+                <a:r>
+                  <a:rPr lang="en-US" dirty="0"/>
+                  <a:t>Preserve all information in the text (hopefully)</a:t>
+                </a:r>
+              </a:p>
+              <a:p>
+                <a:pPr lvl="2"/>
+                <a:r>
+                  <a:rPr lang="en-US" dirty="0"/>
+                  <a:t>Fully automatic</a:t>
+                </a:r>
+              </a:p>
+              <a:p>
+                <a:pPr lvl="1"/>
+                <a:r>
+                  <a:rPr lang="en-US" dirty="0"/>
+                  <a:t>Cons</a:t>
+                </a:r>
+              </a:p>
+              <a:p>
+                <a:pPr lvl="2"/>
+                <a:r>
+                  <a:rPr lang="en-US" dirty="0"/>
+                  <a:t>Vocabulary gap: cars </a:t>
+                </a:r>
+                <a:r>
+                  <a:rPr lang="en-US" dirty="0" err="1"/>
+                  <a:t>v.s</a:t>
+                </a:r>
+                <a:r>
+                  <a:rPr lang="en-US" dirty="0"/>
+                  <a:t>., car</a:t>
+                </a:r>
+              </a:p>
+              <a:p>
+                <a:pPr lvl="2"/>
+                <a:r>
+                  <a:rPr lang="en-US" dirty="0"/>
+                  <a:t>Large storage: e.g., in N-grams </a:t>
+                </a:r>
+                <a14:m>
+                  <m:oMath xmlns:m="http://schemas.openxmlformats.org/officeDocument/2006/math">
+                    <m:r>
+                      <a:rPr lang="en-US" i="1" dirty="0">
+                        <a:latin typeface="Cambria Math"/>
+                      </a:rPr>
+                      <m:t>𝑂</m:t>
+                    </m:r>
+                    <m:r>
+                      <a:rPr lang="en-US" i="1" dirty="0">
+                        <a:latin typeface="Cambria Math"/>
+                      </a:rPr>
+                      <m:t>(</m:t>
+                    </m:r>
+                    <m:sSup>
+                      <m:sSupPr>
+                        <m:ctrlPr>
+                          <a:rPr lang="en-US" i="1" dirty="0">
+                            <a:latin typeface="Cambria Math" panose="02040503050406030204" pitchFamily="18" charset="0"/>
+                          </a:rPr>
+                        </m:ctrlPr>
+                      </m:sSupPr>
+                      <m:e>
+                        <m:r>
+                          <a:rPr lang="en-US" i="1" dirty="0">
+                            <a:latin typeface="Cambria Math"/>
+                          </a:rPr>
+                          <m:t>𝑉</m:t>
+                        </m:r>
+                      </m:e>
+                      <m:sup>
+                        <m:r>
+                          <a:rPr lang="en-US" i="1" dirty="0">
+                            <a:latin typeface="Cambria Math"/>
+                          </a:rPr>
+                          <m:t>𝑁</m:t>
+                        </m:r>
+                      </m:sup>
+                    </m:sSup>
+                    <m:r>
+                      <a:rPr lang="en-US" i="1" dirty="0">
+                        <a:latin typeface="Cambria Math"/>
+                      </a:rPr>
+                      <m:t>)</m:t>
+                    </m:r>
+                  </m:oMath>
+                </a14:m>
+                <a:endParaRPr lang="en-US" dirty="0"/>
+              </a:p>
+            </p:txBody>
+          </p:sp>
+        </mc:Choice>
+        <mc:Fallback>
+          <p:sp>
+            <p:nvSpPr>
+              <p:cNvPr id="3" name="Content Placeholder 2"/>
+              <p:cNvSpPr>
+                <a:spLocks noGrp="1" noRot="1" noChangeAspect="1" noMove="1" noResize="1" noEditPoints="1" noAdjustHandles="1" noChangeArrowheads="1" noChangeShapeType="1" noTextEdit="1"/>
+              </p:cNvSpPr>
+              <p:nvPr>
+                <p:ph idx="1"/>
+              </p:nvPr>
+            </p:nvSpPr>
+            <p:spPr>
+              <a:blipFill rotWithShape="0">
+                <a:blip r:embed="rId2"/>
+                <a:stretch>
+                  <a:fillRect l="-1704" t="-2830" r="-1778" b="-1752"/>
+                </a:stretch>
+              </a:blipFill>
+            </p:spPr>
+            <p:txBody>
+              <a:bodyPr/>
+              <a:lstStyle/>
+              <a:p>
+                <a:r>
+                  <a:rPr lang="en-US">
+                    <a:noFill/>
+                  </a:rPr>
+                  <a:t> </a:t>
+                </a:r>
+              </a:p>
+            </p:txBody>
+          </p:sp>
+        </mc:Fallback>
+      </mc:AlternateContent>
+      <p:sp>
+        <p:nvSpPr>
+          <p:cNvPr id="4" name="Date Placeholder 3"/>
+          <p:cNvSpPr>
+            <a:spLocks noGrp="1"/>
+          </p:cNvSpPr>
+          <p:nvPr>
+            <p:ph type="dt" sz="half" idx="10"/>
+          </p:nvPr>
+        </p:nvSpPr>
+        <p:spPr/>
+        <p:txBody>
+          <a:bodyPr/>
+          <a:lstStyle/>
+          <a:p>
+            <a:r>
+              <a:rPr lang="en-US" smtClean="0"/>
+              <a:t>CS@UVa</a:t>
+            </a:r>
+            <a:endParaRPr lang="en-US"/>
+          </a:p>
+        </p:txBody>
+      </p:sp>
+      <p:sp>
+        <p:nvSpPr>
+          <p:cNvPr id="5" name="Footer Placeholder 4"/>
+          <p:cNvSpPr>
+            <a:spLocks noGrp="1"/>
+          </p:cNvSpPr>
+          <p:nvPr>
+            <p:ph type="ftr" sz="quarter" idx="11"/>
+          </p:nvPr>
+        </p:nvSpPr>
+        <p:spPr/>
+        <p:txBody>
+          <a:bodyPr/>
+          <a:lstStyle/>
+          <a:p>
+            <a:r>
+              <a:rPr lang="en-US" smtClean="0"/>
+              <a:t>CS4501: Information Retrieval</a:t>
+            </a:r>
+            <a:endParaRPr lang="en-US"/>
+          </a:p>
+        </p:txBody>
+      </p:sp>
+      <p:sp>
+        <p:nvSpPr>
+          <p:cNvPr id="6" name="Slide Number Placeholder 5"/>
+          <p:cNvSpPr>
+            <a:spLocks noGrp="1"/>
+          </p:cNvSpPr>
+          <p:nvPr>
+            <p:ph type="sldNum" sz="quarter" idx="12"/>
+          </p:nvPr>
+        </p:nvSpPr>
+        <p:spPr/>
+        <p:txBody>
+          <a:bodyPr/>
+          <a:lstStyle/>
+          <a:p>
+            <a:fld id="{93582EC2-63CB-4149-BC8B-E4DB3A07B74B}" type="slidenum">
+              <a:rPr lang="en-US" smtClean="0"/>
+              <a:t>34</a:t>
+            </a:fld>
+            <a:endParaRPr lang="en-US"/>
+          </a:p>
+        </p:txBody>
+      </p:sp>
+    </p:spTree>
+    <p:extLst>
+      <p:ext uri="{BB962C8B-B14F-4D97-AF65-F5344CB8AC3E}">
+        <p14:creationId xmlns:p14="http://schemas.microsoft.com/office/powerpoint/2010/main" val="2727409616"/>
+      </p:ext>
+    </p:extLst>
+  </p:cSld>
+  <p:clrMapOvr>
+    <a:masterClrMapping/>
+  </p:clrMapOvr>
+  <p:timing>
+    <p:tnLst>
+      <p:par>
+        <p:cTn id="1" dur="indefinite" restart="never" nodeType="tmRoot"/>
+      </p:par>
+    </p:tnLst>
+  </p:timing>
+</p:sld>
+</file>
+
+<file path=ppt/slides/slide35.xml><?xml version="1.0" encoding="utf-8"?>
+<p:sld xmlns:a="http://schemas.openxmlformats.org/drawingml/2006/main" xmlns:r="http://schemas.openxmlformats.org/officeDocument/2006/relationships" xmlns:p="http://schemas.openxmlformats.org/presentationml/2006/main">
+  <p:cSld>
+    <p:spTree>
+      <p:nvGrpSpPr>
+        <p:cNvPr id="1" name=""/>
+        <p:cNvGrpSpPr/>
+        <p:nvPr/>
+      </p:nvGrpSpPr>
+      <p:grpSpPr>
+        <a:xfrm>
+          <a:off x="0" y="0"/>
+          <a:ext cx="0" cy="0"/>
+          <a:chOff x="0" y="0"/>
+          <a:chExt cx="0" cy="0"/>
+        </a:xfrm>
+      </p:grpSpPr>
+      <p:sp>
+        <p:nvSpPr>
+          <p:cNvPr id="2" name="Title 1"/>
+          <p:cNvSpPr>
+            <a:spLocks noGrp="1"/>
+          </p:cNvSpPr>
+          <p:nvPr>
+            <p:ph type="title"/>
+          </p:nvPr>
+        </p:nvSpPr>
+        <p:spPr/>
+        <p:txBody>
+          <a:bodyPr/>
+          <a:lstStyle/>
+          <a:p>
+            <a:r>
+              <a:rPr lang="en-US" dirty="0" smtClean="0"/>
               <a:t>Statistical property of language</a:t>
             </a:r>
             <a:endParaRPr lang="en-US" dirty="0"/>
@@ -11914,7 +14732,7 @@
           <a:p>
             <a:fld id="{93582EC2-63CB-4149-BC8B-E4DB3A07B74B}" type="slidenum">
               <a:rPr lang="en-US" smtClean="0"/>
-              <a:t>28</a:t>
+              <a:t>35</a:t>
             </a:fld>
             <a:endParaRPr lang="en-US"/>
           </a:p>
@@ -12413,7 +15231,7 @@
 </p:sld>
 </file>
 
-<file path=ppt/slides/slide29.xml><?xml version="1.0" encoding="utf-8"?>
+<file path=ppt/slides/slide36.xml><?xml version="1.0" encoding="utf-8"?>
 <p:sld xmlns:a="http://schemas.openxmlformats.org/drawingml/2006/main" xmlns:r="http://schemas.openxmlformats.org/officeDocument/2006/relationships" xmlns:p="http://schemas.openxmlformats.org/presentationml/2006/main">
   <p:cSld>
     <p:spTree>
@@ -12592,7 +15410,7 @@
           <a:p>
             <a:fld id="{93582EC2-63CB-4149-BC8B-E4DB3A07B74B}" type="slidenum">
               <a:rPr lang="en-US" smtClean="0"/>
-              <a:t>29</a:t>
+              <a:t>36</a:t>
             </a:fld>
             <a:endParaRPr lang="en-US"/>
           </a:p>
@@ -12881,213 +15699,7 @@
 </p:sld>
 </file>
 
-<file path=ppt/slides/slide3.xml><?xml version="1.0" encoding="utf-8"?>
-<p:sld xmlns:a="http://schemas.openxmlformats.org/drawingml/2006/main" xmlns:r="http://schemas.openxmlformats.org/officeDocument/2006/relationships" xmlns:p="http://schemas.openxmlformats.org/presentationml/2006/main">
-  <p:cSld>
-    <p:spTree>
-      <p:nvGrpSpPr>
-        <p:cNvPr id="1" name=""/>
-        <p:cNvGrpSpPr/>
-        <p:nvPr/>
-      </p:nvGrpSpPr>
-      <p:grpSpPr>
-        <a:xfrm>
-          <a:off x="0" y="0"/>
-          <a:ext cx="0" cy="0"/>
-          <a:chOff x="0" y="0"/>
-          <a:chExt cx="0" cy="0"/>
-        </a:xfrm>
-      </p:grpSpPr>
-      <p:sp>
-        <p:nvSpPr>
-          <p:cNvPr id="2" name="Title 1"/>
-          <p:cNvSpPr>
-            <a:spLocks noGrp="1"/>
-          </p:cNvSpPr>
-          <p:nvPr>
-            <p:ph type="title"/>
-          </p:nvPr>
-        </p:nvSpPr>
-        <p:spPr/>
-        <p:txBody>
-          <a:bodyPr/>
-          <a:lstStyle/>
-          <a:p>
-            <a:r>
-              <a:rPr lang="en-US" dirty="0" smtClean="0"/>
-              <a:t>Recap: </a:t>
-            </a:r>
-            <a:r>
-              <a:rPr lang="en-US" altLang="en-US" dirty="0"/>
-              <a:t>Browsing </a:t>
-            </a:r>
-            <a:r>
-              <a:rPr lang="en-US" altLang="en-US" dirty="0" err="1"/>
-              <a:t>v.s</a:t>
-            </a:r>
-            <a:r>
-              <a:rPr lang="en-US" altLang="en-US" dirty="0"/>
-              <a:t>. Querying </a:t>
-            </a:r>
-            <a:endParaRPr lang="en-US" dirty="0"/>
-          </a:p>
-        </p:txBody>
-      </p:sp>
-      <p:sp>
-        <p:nvSpPr>
-          <p:cNvPr id="3" name="Content Placeholder 2"/>
-          <p:cNvSpPr>
-            <a:spLocks noGrp="1"/>
-          </p:cNvSpPr>
-          <p:nvPr>
-            <p:ph idx="1"/>
-          </p:nvPr>
-        </p:nvSpPr>
-        <p:spPr/>
-        <p:txBody>
-          <a:bodyPr/>
-          <a:lstStyle/>
-          <a:p>
-            <a:r>
-              <a:rPr lang="en-US" dirty="0" smtClean="0"/>
-              <a:t>Browsing</a:t>
-            </a:r>
-          </a:p>
-          <a:p>
-            <a:pPr lvl="1"/>
-            <a:r>
-              <a:rPr lang="en-US" altLang="en-US" dirty="0">
-                <a:cs typeface="Arial" charset="0"/>
-              </a:rPr>
-              <a:t>Works well when the user wants to explore information or doesn’t know what keywords to use, or </a:t>
-            </a:r>
-            <a:r>
-              <a:rPr lang="en-US" altLang="en-US" dirty="0" smtClean="0">
-                <a:cs typeface="Arial" charset="0"/>
-              </a:rPr>
-              <a:t>cannot </a:t>
-            </a:r>
-            <a:r>
-              <a:rPr lang="en-US" altLang="en-US" dirty="0">
-                <a:cs typeface="Arial" charset="0"/>
-              </a:rPr>
-              <a:t>conveniently enter a query </a:t>
-            </a:r>
-            <a:endParaRPr lang="en-US" altLang="en-US" dirty="0" smtClean="0">
-              <a:cs typeface="Arial" charset="0"/>
-            </a:endParaRPr>
-          </a:p>
-          <a:p>
-            <a:r>
-              <a:rPr lang="en-US" dirty="0" smtClean="0"/>
-              <a:t>Querying</a:t>
-            </a:r>
-          </a:p>
-          <a:p>
-            <a:pPr lvl="1"/>
-            <a:r>
-              <a:rPr lang="en-US" altLang="en-US" dirty="0">
-                <a:cs typeface="Arial" charset="0"/>
-              </a:rPr>
-              <a:t>Works well when the user knows exactly what query to use for expressing her information need</a:t>
-            </a:r>
-          </a:p>
-          <a:p>
-            <a:pPr lvl="1"/>
-            <a:endParaRPr lang="en-US" dirty="0"/>
-          </a:p>
-        </p:txBody>
-      </p:sp>
-      <p:sp>
-        <p:nvSpPr>
-          <p:cNvPr id="4" name="Date Placeholder 3"/>
-          <p:cNvSpPr>
-            <a:spLocks noGrp="1"/>
-          </p:cNvSpPr>
-          <p:nvPr>
-            <p:ph type="dt" sz="half" idx="10"/>
-          </p:nvPr>
-        </p:nvSpPr>
-        <p:spPr/>
-        <p:txBody>
-          <a:bodyPr/>
-          <a:lstStyle/>
-          <a:p>
-            <a:r>
-              <a:rPr lang="en-US" smtClean="0"/>
-              <a:t>CS@UVa</a:t>
-            </a:r>
-            <a:endParaRPr lang="en-US"/>
-          </a:p>
-        </p:txBody>
-      </p:sp>
-      <p:sp>
-        <p:nvSpPr>
-          <p:cNvPr id="5" name="Footer Placeholder 4"/>
-          <p:cNvSpPr>
-            <a:spLocks noGrp="1"/>
-          </p:cNvSpPr>
-          <p:nvPr>
-            <p:ph type="ftr" sz="quarter" idx="11"/>
-          </p:nvPr>
-        </p:nvSpPr>
-        <p:spPr/>
-        <p:txBody>
-          <a:bodyPr/>
-          <a:lstStyle/>
-          <a:p>
-            <a:r>
-              <a:rPr lang="en-US" smtClean="0"/>
-              <a:t>CS4501: Information Retrieval</a:t>
-            </a:r>
-            <a:endParaRPr lang="en-US"/>
-          </a:p>
-        </p:txBody>
-      </p:sp>
-      <p:sp>
-        <p:nvSpPr>
-          <p:cNvPr id="6" name="Slide Number Placeholder 5"/>
-          <p:cNvSpPr>
-            <a:spLocks noGrp="1"/>
-          </p:cNvSpPr>
-          <p:nvPr>
-            <p:ph type="sldNum" sz="quarter" idx="12"/>
-          </p:nvPr>
-        </p:nvSpPr>
-        <p:spPr/>
-        <p:txBody>
-          <a:bodyPr/>
-          <a:lstStyle/>
-          <a:p>
-            <a:fld id="{93582EC2-63CB-4149-BC8B-E4DB3A07B74B}" type="slidenum">
-              <a:rPr lang="en-US" smtClean="0"/>
-              <a:t>3</a:t>
-            </a:fld>
-            <a:endParaRPr lang="en-US"/>
-          </a:p>
-        </p:txBody>
-      </p:sp>
-    </p:spTree>
-    <p:extLst>
-      <p:ext uri="{BB962C8B-B14F-4D97-AF65-F5344CB8AC3E}">
-        <p14:creationId xmlns:p14="http://schemas.microsoft.com/office/powerpoint/2010/main" val="1355664977"/>
-      </p:ext>
-    </p:extLst>
-  </p:cSld>
-  <p:clrMapOvr>
-    <a:masterClrMapping/>
-  </p:clrMapOvr>
-  <p:timing>
-    <p:tnLst>
-      <p:par>
-        <p:cTn id="1" dur="indefinite" restart="never" nodeType="tmRoot"/>
-      </p:par>
-    </p:tnLst>
-  </p:timing>
-</p:sld>
-</file>
-
-<file path=ppt/slides/slide30.xml><?xml version="1.0" encoding="utf-8"?>
+<file path=ppt/slides/slide37.xml><?xml version="1.0" encoding="utf-8"?>
 <p:sld xmlns:a="http://schemas.openxmlformats.org/drawingml/2006/main" xmlns:r="http://schemas.openxmlformats.org/officeDocument/2006/relationships" xmlns:p="http://schemas.openxmlformats.org/presentationml/2006/main">
   <p:cSld>
     <p:spTree>
@@ -13428,12 +16040,233 @@
           <a:p>
             <a:fld id="{93582EC2-63CB-4149-BC8B-E4DB3A07B74B}" type="slidenum">
               <a:rPr lang="en-US" smtClean="0"/>
-              <a:t>30</a:t>
+              <a:t>37</a:t>
             </a:fld>
             <a:endParaRPr lang="en-US"/>
           </a:p>
         </p:txBody>
       </p:sp>
+      <p:pic>
+        <p:nvPicPr>
+          <p:cNvPr id="13" name="Picture 2" descr="http://web.eecs.utk.edu/~mberry/sc95/gif/berry_table402.gif"/>
+          <p:cNvPicPr>
+            <a:picLocks noChangeAspect="1" noChangeArrowheads="1"/>
+          </p:cNvPicPr>
+          <p:nvPr/>
+        </p:nvPicPr>
+        <p:blipFill>
+          <a:blip r:embed="rId3">
+            <a:extLst>
+              <a:ext uri="{28A0092B-C50C-407E-A947-70E740481C1C}">
+                <a14:useLocalDpi xmlns:a14="http://schemas.microsoft.com/office/drawing/2010/main" val="0"/>
+              </a:ext>
+            </a:extLst>
+          </a:blip>
+          <a:srcRect/>
+          <a:stretch>
+            <a:fillRect/>
+          </a:stretch>
+        </p:blipFill>
+        <p:spPr bwMode="auto">
+          <a:xfrm>
+            <a:off x="6096000" y="1143000"/>
+            <a:ext cx="2759508" cy="1547388"/>
+          </a:xfrm>
+          <a:prstGeom prst="rect">
+            <a:avLst/>
+          </a:prstGeom>
+          <a:noFill/>
+          <a:extLst>
+            <a:ext uri="{909E8E84-426E-40DD-AFC4-6F175D3DCCD1}">
+              <a14:hiddenFill xmlns:a14="http://schemas.microsoft.com/office/drawing/2010/main">
+                <a:solidFill>
+                  <a:srgbClr val="FFFFFF"/>
+                </a:solidFill>
+              </a14:hiddenFill>
+            </a:ext>
+          </a:extLst>
+        </p:spPr>
+      </p:pic>
+      <p:grpSp>
+        <p:nvGrpSpPr>
+          <p:cNvPr id="14" name="Group 13"/>
+          <p:cNvGrpSpPr/>
+          <p:nvPr/>
+        </p:nvGrpSpPr>
+        <p:grpSpPr>
+          <a:xfrm>
+            <a:off x="4114800" y="1123673"/>
+            <a:ext cx="1981200" cy="482623"/>
+            <a:chOff x="4114800" y="1123673"/>
+            <a:chExt cx="1981200" cy="482623"/>
+          </a:xfrm>
+        </p:grpSpPr>
+        <p:cxnSp>
+          <p:nvCxnSpPr>
+            <p:cNvPr id="11" name="Straight Arrow Connector 10"/>
+            <p:cNvCxnSpPr/>
+            <p:nvPr/>
+          </p:nvCxnSpPr>
+          <p:spPr>
+            <a:xfrm flipH="1" flipV="1">
+              <a:off x="4114800" y="1417638"/>
+              <a:ext cx="1981200" cy="188658"/>
+            </a:xfrm>
+            <a:prstGeom prst="straightConnector1">
+              <a:avLst/>
+            </a:prstGeom>
+            <a:ln w="12700">
+              <a:solidFill>
+                <a:srgbClr val="00B050"/>
+              </a:solidFill>
+              <a:headEnd type="triangle" w="med" len="med"/>
+              <a:tailEnd type="none" w="med" len="med"/>
+            </a:ln>
+          </p:spPr>
+          <p:style>
+            <a:lnRef idx="1">
+              <a:schemeClr val="accent1"/>
+            </a:lnRef>
+            <a:fillRef idx="0">
+              <a:schemeClr val="accent1"/>
+            </a:fillRef>
+            <a:effectRef idx="0">
+              <a:schemeClr val="accent1"/>
+            </a:effectRef>
+            <a:fontRef idx="minor">
+              <a:schemeClr val="tx1"/>
+            </a:fontRef>
+          </p:style>
+        </p:cxnSp>
+        <p:sp>
+          <p:nvSpPr>
+            <p:cNvPr id="12" name="TextBox 11"/>
+            <p:cNvSpPr txBox="1"/>
+            <p:nvPr/>
+          </p:nvSpPr>
+          <p:spPr>
+            <a:xfrm>
+              <a:off x="4445000" y="1123673"/>
+              <a:ext cx="1371600" cy="369332"/>
+            </a:xfrm>
+            <a:prstGeom prst="rect">
+              <a:avLst/>
+            </a:prstGeom>
+            <a:noFill/>
+          </p:spPr>
+          <p:txBody>
+            <a:bodyPr wrap="square" rtlCol="0">
+              <a:spAutoFit/>
+            </a:bodyPr>
+            <a:lstStyle/>
+            <a:p>
+              <a:r>
+                <a:rPr lang="en-US" dirty="0" smtClean="0">
+                  <a:solidFill>
+                    <a:srgbClr val="00B050"/>
+                  </a:solidFill>
+                </a:rPr>
+                <a:t>Remove 1s</a:t>
+              </a:r>
+              <a:endParaRPr lang="en-US" dirty="0">
+                <a:solidFill>
+                  <a:srgbClr val="00B050"/>
+                </a:solidFill>
+              </a:endParaRPr>
+            </a:p>
+          </p:txBody>
+        </p:sp>
+      </p:grpSp>
+      <p:grpSp>
+        <p:nvGrpSpPr>
+          <p:cNvPr id="15" name="Group 14"/>
+          <p:cNvGrpSpPr/>
+          <p:nvPr/>
+        </p:nvGrpSpPr>
+        <p:grpSpPr>
+          <a:xfrm>
+            <a:off x="7451343" y="2771975"/>
+            <a:ext cx="1468290" cy="1981200"/>
+            <a:chOff x="7451343" y="2771975"/>
+            <a:chExt cx="1468290" cy="1981200"/>
+          </a:xfrm>
+        </p:grpSpPr>
+        <p:cxnSp>
+          <p:nvCxnSpPr>
+            <p:cNvPr id="20" name="Straight Arrow Connector 19"/>
+            <p:cNvCxnSpPr/>
+            <p:nvPr/>
+          </p:nvCxnSpPr>
+          <p:spPr>
+            <a:xfrm rot="16200000" flipH="1" flipV="1">
+              <a:off x="6555072" y="3668246"/>
+              <a:ext cx="1981200" cy="188658"/>
+            </a:xfrm>
+            <a:prstGeom prst="straightConnector1">
+              <a:avLst/>
+            </a:prstGeom>
+            <a:ln w="12700">
+              <a:solidFill>
+                <a:srgbClr val="00B050"/>
+              </a:solidFill>
+              <a:headEnd type="triangle" w="med" len="med"/>
+              <a:tailEnd type="none" w="med" len="med"/>
+            </a:ln>
+          </p:spPr>
+          <p:style>
+            <a:lnRef idx="1">
+              <a:schemeClr val="accent1"/>
+            </a:lnRef>
+            <a:fillRef idx="0">
+              <a:schemeClr val="accent1"/>
+            </a:fillRef>
+            <a:effectRef idx="0">
+              <a:schemeClr val="accent1"/>
+            </a:effectRef>
+            <a:fontRef idx="minor">
+              <a:schemeClr val="tx1"/>
+            </a:fontRef>
+          </p:style>
+        </p:cxnSp>
+        <p:sp>
+          <p:nvSpPr>
+            <p:cNvPr id="21" name="TextBox 20"/>
+            <p:cNvSpPr txBox="1"/>
+            <p:nvPr/>
+          </p:nvSpPr>
+          <p:spPr>
+            <a:xfrm>
+              <a:off x="7548033" y="3794000"/>
+              <a:ext cx="1371600" cy="369332"/>
+            </a:xfrm>
+            <a:prstGeom prst="rect">
+              <a:avLst/>
+            </a:prstGeom>
+            <a:noFill/>
+          </p:spPr>
+          <p:txBody>
+            <a:bodyPr wrap="square" rtlCol="0">
+              <a:spAutoFit/>
+            </a:bodyPr>
+            <a:lstStyle/>
+            <a:p>
+              <a:r>
+                <a:rPr lang="en-US" dirty="0" smtClean="0">
+                  <a:solidFill>
+                    <a:srgbClr val="00B050"/>
+                  </a:solidFill>
+                </a:rPr>
+                <a:t>Remove 0s</a:t>
+              </a:r>
+              <a:endParaRPr lang="en-US" dirty="0">
+                <a:solidFill>
+                  <a:srgbClr val="00B050"/>
+                </a:solidFill>
+              </a:endParaRPr>
+            </a:p>
+          </p:txBody>
+        </p:sp>
+      </p:grpSp>
     </p:spTree>
     <p:extLst>
       <p:ext uri="{BB962C8B-B14F-4D97-AF65-F5344CB8AC3E}">
@@ -13542,6 +16375,141 @@
                       </p:childTnLst>
                     </p:cTn>
                   </p:par>
+                  <p:par>
+                    <p:cTn id="11" fill="hold">
+                      <p:stCondLst>
+                        <p:cond delay="indefinite"/>
+                      </p:stCondLst>
+                      <p:childTnLst>
+                        <p:par>
+                          <p:cTn id="12" fill="hold">
+                            <p:stCondLst>
+                              <p:cond delay="0"/>
+                            </p:stCondLst>
+                            <p:childTnLst>
+                              <p:par>
+                                <p:cTn id="13" presetID="1" presetClass="entr" presetSubtype="0" fill="hold" nodeType="clickEffect">
+                                  <p:stCondLst>
+                                    <p:cond delay="0"/>
+                                  </p:stCondLst>
+                                  <p:childTnLst>
+                                    <p:set>
+                                      <p:cBhvr>
+                                        <p:cTn id="14" dur="1" fill="hold">
+                                          <p:stCondLst>
+                                            <p:cond delay="0"/>
+                                          </p:stCondLst>
+                                        </p:cTn>
+                                        <p:tgtEl>
+                                          <p:spTgt spid="13"/>
+                                        </p:tgtEl>
+                                        <p:attrNameLst>
+                                          <p:attrName>style.visibility</p:attrName>
+                                        </p:attrNameLst>
+                                      </p:cBhvr>
+                                      <p:to>
+                                        <p:strVal val="visible"/>
+                                      </p:to>
+                                    </p:set>
+                                  </p:childTnLst>
+                                </p:cTn>
+                              </p:par>
+                            </p:childTnLst>
+                          </p:cTn>
+                        </p:par>
+                      </p:childTnLst>
+                    </p:cTn>
+                  </p:par>
+                  <p:par>
+                    <p:cTn id="15" fill="hold">
+                      <p:stCondLst>
+                        <p:cond delay="indefinite"/>
+                      </p:stCondLst>
+                      <p:childTnLst>
+                        <p:par>
+                          <p:cTn id="16" fill="hold">
+                            <p:stCondLst>
+                              <p:cond delay="0"/>
+                            </p:stCondLst>
+                            <p:childTnLst>
+                              <p:par>
+                                <p:cTn id="17" presetID="1" presetClass="entr" presetSubtype="0" fill="hold" nodeType="clickEffect">
+                                  <p:stCondLst>
+                                    <p:cond delay="0"/>
+                                  </p:stCondLst>
+                                  <p:childTnLst>
+                                    <p:set>
+                                      <p:cBhvr>
+                                        <p:cTn id="18" dur="1" fill="hold">
+                                          <p:stCondLst>
+                                            <p:cond delay="0"/>
+                                          </p:stCondLst>
+                                        </p:cTn>
+                                        <p:tgtEl>
+                                          <p:spTgt spid="14"/>
+                                        </p:tgtEl>
+                                        <p:attrNameLst>
+                                          <p:attrName>style.visibility</p:attrName>
+                                        </p:attrNameLst>
+                                      </p:cBhvr>
+                                      <p:to>
+                                        <p:strVal val="visible"/>
+                                      </p:to>
+                                    </p:set>
+                                  </p:childTnLst>
+                                </p:cTn>
+                              </p:par>
+                            </p:childTnLst>
+                          </p:cTn>
+                        </p:par>
+                      </p:childTnLst>
+                    </p:cTn>
+                  </p:par>
+                  <p:par>
+                    <p:cTn id="19" fill="hold">
+                      <p:stCondLst>
+                        <p:cond delay="indefinite"/>
+                      </p:stCondLst>
+                      <p:childTnLst>
+                        <p:par>
+                          <p:cTn id="20" fill="hold">
+                            <p:stCondLst>
+                              <p:cond delay="0"/>
+                            </p:stCondLst>
+                            <p:childTnLst>
+                              <p:par>
+                                <p:cTn id="21" presetID="1" presetClass="entr" presetSubtype="0" fill="hold" nodeType="clickEffect">
+                                  <p:stCondLst>
+                                    <p:cond delay="0"/>
+                                  </p:stCondLst>
+                                  <p:childTnLst>
+                                    <p:set>
+                                      <p:cBhvr>
+                                        <p:cTn id="22" dur="1" fill="hold">
+                                          <p:stCondLst>
+                                            <p:cond delay="0"/>
+                                          </p:stCondLst>
+                                        </p:cTn>
+                                        <p:tgtEl>
+                                          <p:spTgt spid="15"/>
+                                        </p:tgtEl>
+                                        <p:attrNameLst>
+                                          <p:attrName>style.visibility</p:attrName>
+                                        </p:attrNameLst>
+                                      </p:cBhvr>
+                                      <p:to>
+                                        <p:strVal val="visible"/>
+                                      </p:to>
+                                    </p:set>
+                                  </p:childTnLst>
+                                </p:cTn>
+                              </p:par>
+                            </p:childTnLst>
+                          </p:cTn>
+                        </p:par>
+                      </p:childTnLst>
+                    </p:cTn>
+                  </p:par>
                 </p:childTnLst>
               </p:cTn>
               <p:prevCondLst>
@@ -13567,7 +16535,7 @@
 </p:sld>
 </file>
 
-<file path=ppt/slides/slide31.xml><?xml version="1.0" encoding="utf-8"?>
+<file path=ppt/slides/slide38.xml><?xml version="1.0" encoding="utf-8"?>
 <p:sld xmlns:a="http://schemas.openxmlformats.org/drawingml/2006/main" xmlns:r="http://schemas.openxmlformats.org/officeDocument/2006/relationships" xmlns:p="http://schemas.openxmlformats.org/presentationml/2006/main">
   <p:cSld>
     <p:spTree>
@@ -13757,7 +16725,7 @@
           <a:p>
             <a:fld id="{93582EC2-63CB-4149-BC8B-E4DB3A07B74B}" type="slidenum">
               <a:rPr lang="en-US" smtClean="0"/>
-              <a:t>31</a:t>
+              <a:t>38</a:t>
             </a:fld>
             <a:endParaRPr lang="en-US"/>
           </a:p>
@@ -14072,7 +17040,7 @@
 </p:sld>
 </file>
 
-<file path=ppt/slides/slide32.xml><?xml version="1.0" encoding="utf-8"?>
+<file path=ppt/slides/slide39.xml><?xml version="1.0" encoding="utf-8"?>
 <p:sld xmlns:a="http://schemas.openxmlformats.org/drawingml/2006/main" xmlns:r="http://schemas.openxmlformats.org/officeDocument/2006/relationships" xmlns:p="http://schemas.openxmlformats.org/presentationml/2006/main">
   <p:cSld>
     <p:spTree>
@@ -14313,7 +17281,7 @@
           <a:p>
             <a:fld id="{93582EC2-63CB-4149-BC8B-E4DB3A07B74B}" type="slidenum">
               <a:rPr lang="en-US" smtClean="0"/>
-              <a:t>32</a:t>
+              <a:t>39</a:t>
             </a:fld>
             <a:endParaRPr lang="en-US"/>
           </a:p>
@@ -14553,7 +17521,261 @@
 </p:sld>
 </file>
 
-<file path=ppt/slides/slide33.xml><?xml version="1.0" encoding="utf-8"?>
+<file path=ppt/slides/slide4.xml><?xml version="1.0" encoding="utf-8"?>
+<p:sld xmlns:a="http://schemas.openxmlformats.org/drawingml/2006/main" xmlns:r="http://schemas.openxmlformats.org/officeDocument/2006/relationships" xmlns:p="http://schemas.openxmlformats.org/presentationml/2006/main">
+  <p:cSld>
+    <p:spTree>
+      <p:nvGrpSpPr>
+        <p:cNvPr id="1" name=""/>
+        <p:cNvGrpSpPr/>
+        <p:nvPr/>
+      </p:nvGrpSpPr>
+      <p:grpSpPr>
+        <a:xfrm>
+          <a:off x="0" y="0"/>
+          <a:ext cx="0" cy="0"/>
+          <a:chOff x="0" y="0"/>
+          <a:chExt cx="0" cy="0"/>
+        </a:xfrm>
+      </p:grpSpPr>
+      <p:sp>
+        <p:nvSpPr>
+          <p:cNvPr id="2" name="Title 1"/>
+          <p:cNvSpPr>
+            <a:spLocks noGrp="1"/>
+          </p:cNvSpPr>
+          <p:nvPr>
+            <p:ph type="title"/>
+          </p:nvPr>
+        </p:nvSpPr>
+        <p:spPr/>
+        <p:txBody>
+          <a:bodyPr/>
+          <a:lstStyle/>
+          <a:p>
+            <a:r>
+              <a:rPr lang="en-US" dirty="0"/>
+              <a:t>Recap: </a:t>
+            </a:r>
+            <a:r>
+              <a:rPr lang="en-US" altLang="en-US" dirty="0" smtClean="0"/>
+              <a:t>Pull </a:t>
+            </a:r>
+            <a:r>
+              <a:rPr lang="en-US" altLang="en-US" dirty="0" err="1"/>
+              <a:t>v.s</a:t>
+            </a:r>
+            <a:r>
+              <a:rPr lang="en-US" altLang="en-US" dirty="0"/>
+              <a:t>. </a:t>
+            </a:r>
+            <a:r>
+              <a:rPr lang="en-US" altLang="en-US" dirty="0" smtClean="0"/>
+              <a:t>Push in IR</a:t>
+            </a:r>
+            <a:endParaRPr lang="en-US" dirty="0"/>
+          </a:p>
+        </p:txBody>
+      </p:sp>
+      <p:sp>
+        <p:nvSpPr>
+          <p:cNvPr id="3" name="Content Placeholder 2"/>
+          <p:cNvSpPr>
+            <a:spLocks noGrp="1"/>
+          </p:cNvSpPr>
+          <p:nvPr>
+            <p:ph idx="1"/>
+          </p:nvPr>
+        </p:nvSpPr>
+        <p:spPr/>
+        <p:txBody>
+          <a:bodyPr/>
+          <a:lstStyle/>
+          <a:p>
+            <a:r>
+              <a:rPr lang="en-US" altLang="en-US" dirty="0">
+                <a:cs typeface="Arial" charset="0"/>
+              </a:rPr>
+              <a:t>Pull mode – with query</a:t>
+            </a:r>
+          </a:p>
+          <a:p>
+            <a:pPr lvl="1"/>
+            <a:r>
+              <a:rPr lang="en-US" altLang="en-US" dirty="0" smtClean="0">
+                <a:cs typeface="Arial" charset="0"/>
+              </a:rPr>
+              <a:t>User takes the initiative</a:t>
+            </a:r>
+          </a:p>
+          <a:p>
+            <a:pPr lvl="1"/>
+            <a:r>
+              <a:rPr lang="en-US" altLang="en-US" dirty="0" smtClean="0">
+                <a:cs typeface="Arial" charset="0"/>
+              </a:rPr>
+              <a:t>Works </a:t>
+            </a:r>
+            <a:r>
+              <a:rPr lang="en-US" altLang="en-US" dirty="0">
+                <a:cs typeface="Arial" charset="0"/>
+              </a:rPr>
+              <a:t>well when a user has an ad hoc information need</a:t>
+            </a:r>
+          </a:p>
+          <a:p>
+            <a:r>
+              <a:rPr lang="en-US" altLang="en-US" dirty="0">
+                <a:cs typeface="Arial" charset="0"/>
+              </a:rPr>
+              <a:t>Push mode – without </a:t>
+            </a:r>
+            <a:r>
+              <a:rPr lang="en-US" altLang="en-US" dirty="0" smtClean="0">
+                <a:cs typeface="Arial" charset="0"/>
+              </a:rPr>
+              <a:t>query</a:t>
+            </a:r>
+          </a:p>
+          <a:p>
+            <a:pPr lvl="1"/>
+            <a:r>
+              <a:rPr lang="en-US" altLang="en-US" dirty="0" smtClean="0">
+                <a:cs typeface="Arial" charset="0"/>
+              </a:rPr>
+              <a:t>System takes </a:t>
+            </a:r>
+            <a:r>
+              <a:rPr lang="en-US" altLang="en-US" dirty="0">
+                <a:cs typeface="Arial" charset="0"/>
+              </a:rPr>
+              <a:t>the </a:t>
+            </a:r>
+            <a:r>
+              <a:rPr lang="en-US" altLang="en-US" dirty="0" smtClean="0">
+                <a:cs typeface="Arial" charset="0"/>
+              </a:rPr>
+              <a:t>initiative</a:t>
+            </a:r>
+          </a:p>
+          <a:p>
+            <a:pPr lvl="1"/>
+            <a:r>
+              <a:rPr lang="en-US" altLang="en-US" dirty="0">
+                <a:cs typeface="Arial" charset="0"/>
+              </a:rPr>
+              <a:t>Works well when a user has a stable information need or the system has good knowledge about a user’s need</a:t>
+            </a:r>
+            <a:endParaRPr lang="en-US" dirty="0"/>
+          </a:p>
+          <a:p>
+            <a:pPr lvl="1"/>
+            <a:endParaRPr lang="en-US" altLang="en-US" dirty="0">
+              <a:cs typeface="Arial" charset="0"/>
+            </a:endParaRPr>
+          </a:p>
+          <a:p>
+            <a:pPr lvl="1"/>
+            <a:endParaRPr lang="en-US" altLang="en-US" dirty="0">
+              <a:cs typeface="Arial" charset="0"/>
+            </a:endParaRPr>
+          </a:p>
+          <a:p>
+            <a:pPr lvl="1"/>
+            <a:endParaRPr lang="en-US" dirty="0"/>
+          </a:p>
+        </p:txBody>
+      </p:sp>
+      <p:sp>
+        <p:nvSpPr>
+          <p:cNvPr id="4" name="Date Placeholder 3"/>
+          <p:cNvSpPr>
+            <a:spLocks noGrp="1"/>
+          </p:cNvSpPr>
+          <p:nvPr>
+            <p:ph type="dt" sz="half" idx="10"/>
+          </p:nvPr>
+        </p:nvSpPr>
+        <p:spPr/>
+        <p:txBody>
+          <a:bodyPr/>
+          <a:lstStyle/>
+          <a:p>
+            <a:r>
+              <a:rPr lang="en-US" smtClean="0"/>
+              <a:t>CS@UVa</a:t>
+            </a:r>
+            <a:endParaRPr lang="en-US"/>
+          </a:p>
+        </p:txBody>
+      </p:sp>
+      <p:sp>
+        <p:nvSpPr>
+          <p:cNvPr id="5" name="Footer Placeholder 4"/>
+          <p:cNvSpPr>
+            <a:spLocks noGrp="1"/>
+          </p:cNvSpPr>
+          <p:nvPr>
+            <p:ph type="ftr" sz="quarter" idx="11"/>
+          </p:nvPr>
+        </p:nvSpPr>
+        <p:spPr/>
+        <p:txBody>
+          <a:bodyPr/>
+          <a:lstStyle/>
+          <a:p>
+            <a:r>
+              <a:rPr lang="en-US" smtClean="0"/>
+              <a:t>CS4501: Information Retrieval</a:t>
+            </a:r>
+            <a:endParaRPr lang="en-US"/>
+          </a:p>
+        </p:txBody>
+      </p:sp>
+      <p:sp>
+        <p:nvSpPr>
+          <p:cNvPr id="6" name="Slide Number Placeholder 5"/>
+          <p:cNvSpPr>
+            <a:spLocks noGrp="1"/>
+          </p:cNvSpPr>
+          <p:nvPr>
+            <p:ph type="sldNum" sz="quarter" idx="12"/>
+          </p:nvPr>
+        </p:nvSpPr>
+        <p:spPr/>
+        <p:txBody>
+          <a:bodyPr/>
+          <a:lstStyle/>
+          <a:p>
+            <a:fld id="{93582EC2-63CB-4149-BC8B-E4DB3A07B74B}" type="slidenum">
+              <a:rPr lang="en-US" smtClean="0"/>
+              <a:t>4</a:t>
+            </a:fld>
+            <a:endParaRPr lang="en-US"/>
+          </a:p>
+        </p:txBody>
+      </p:sp>
+    </p:spTree>
+    <p:extLst>
+      <p:ext uri="{BB962C8B-B14F-4D97-AF65-F5344CB8AC3E}">
+        <p14:creationId xmlns:p14="http://schemas.microsoft.com/office/powerpoint/2010/main" val="3612933484"/>
+      </p:ext>
+    </p:extLst>
+  </p:cSld>
+  <p:clrMapOvr>
+    <a:masterClrMapping/>
+  </p:clrMapOvr>
+  <p:timing>
+    <p:tnLst>
+      <p:par>
+        <p:cTn id="1" dur="indefinite" restart="never" nodeType="tmRoot"/>
+      </p:par>
+    </p:tnLst>
+  </p:timing>
+</p:sld>
+</file>
+
+<file path=ppt/slides/slide40.xml><?xml version="1.0" encoding="utf-8"?>
 <p:sld xmlns:a="http://schemas.openxmlformats.org/drawingml/2006/main" xmlns:r="http://schemas.openxmlformats.org/officeDocument/2006/relationships" xmlns:p="http://schemas.openxmlformats.org/presentationml/2006/main">
   <p:cSld>
     <p:spTree>
@@ -14825,7 +18047,7 @@
           <a:p>
             <a:fld id="{93582EC2-63CB-4149-BC8B-E4DB3A07B74B}" type="slidenum">
               <a:rPr lang="en-US" smtClean="0"/>
-              <a:t>33</a:t>
+              <a:t>40</a:t>
             </a:fld>
             <a:endParaRPr lang="en-US"/>
           </a:p>
@@ -15155,7 +18377,7 @@
 </p:sld>
 </file>
 
-<file path=ppt/slides/slide34.xml><?xml version="1.0" encoding="utf-8"?>
+<file path=ppt/slides/slide41.xml><?xml version="1.0" encoding="utf-8"?>
 <p:sld xmlns:a="http://schemas.openxmlformats.org/drawingml/2006/main" xmlns:r="http://schemas.openxmlformats.org/officeDocument/2006/relationships" xmlns:p="http://schemas.openxmlformats.org/presentationml/2006/main">
   <p:cSld>
     <p:spTree>
@@ -17441,7 +20663,7 @@
           <a:p>
             <a:fld id="{8FFD2F68-5222-4E23-9325-DA915C0C80C8}" type="slidenum">
               <a:rPr lang="en-US" smtClean="0"/>
-              <a:t>34</a:t>
+              <a:t>41</a:t>
             </a:fld>
             <a:endParaRPr lang="en-US"/>
           </a:p>
@@ -18032,7 +21254,7 @@
 </p:sld>
 </file>
 
-<file path=ppt/slides/slide35.xml><?xml version="1.0" encoding="utf-8"?>
+<file path=ppt/slides/slide42.xml><?xml version="1.0" encoding="utf-8"?>
 <p:sld xmlns:a="http://schemas.openxmlformats.org/drawingml/2006/main" xmlns:r="http://schemas.openxmlformats.org/officeDocument/2006/relationships" xmlns:p="http://schemas.openxmlformats.org/presentationml/2006/main">
   <p:cSld>
     <p:spTree>
@@ -18245,7 +21467,7 @@
           <a:p>
             <a:fld id="{93582EC2-63CB-4149-BC8B-E4DB3A07B74B}" type="slidenum">
               <a:rPr lang="en-US" smtClean="0"/>
-              <a:t>35</a:t>
+              <a:t>42</a:t>
             </a:fld>
             <a:endParaRPr lang="en-US"/>
           </a:p>
@@ -18567,7 +21789,7 @@
 </p:sld>
 </file>
 
-<file path=ppt/slides/slide36.xml><?xml version="1.0" encoding="utf-8"?>
+<file path=ppt/slides/slide43.xml><?xml version="1.0" encoding="utf-8"?>
 <p:sld xmlns:a="http://schemas.openxmlformats.org/drawingml/2006/main" xmlns:r="http://schemas.openxmlformats.org/officeDocument/2006/relationships" xmlns:p="http://schemas.openxmlformats.org/presentationml/2006/main">
   <p:cSld>
     <p:spTree>
@@ -18720,7 +21942,7 @@
           <a:p>
             <a:fld id="{93582EC2-63CB-4149-BC8B-E4DB3A07B74B}" type="slidenum">
               <a:rPr lang="en-US" smtClean="0"/>
-              <a:t>36</a:t>
+              <a:t>43</a:t>
             </a:fld>
             <a:endParaRPr lang="en-US"/>
           </a:p>
@@ -18746,7 +21968,7 @@
 </p:sld>
 </file>
 
-<file path=ppt/slides/slide37.xml><?xml version="1.0" encoding="utf-8"?>
+<file path=ppt/slides/slide44.xml><?xml version="1.0" encoding="utf-8"?>
 <p:sld xmlns:a="http://schemas.openxmlformats.org/drawingml/2006/main" xmlns:r="http://schemas.openxmlformats.org/officeDocument/2006/relationships" xmlns:p="http://schemas.openxmlformats.org/presentationml/2006/main">
   <p:cSld>
     <p:spTree>
@@ -18835,10 +22057,9 @@
           <a:p>
             <a:pPr lvl="2"/>
             <a:r>
-              <a:rPr lang="en-US" smtClean="0"/>
+              <a:rPr lang="en-US" dirty="0" smtClean="0"/>
               <a:t>Section 20.2, Crawling</a:t>
             </a:r>
-            <a:endParaRPr lang="en-US" dirty="0" smtClean="0"/>
           </a:p>
           <a:p>
             <a:pPr lvl="1"/>
@@ -18855,8 +22076,30 @@
             </a:r>
             <a:r>
               <a:rPr lang="en-US" dirty="0"/>
-              <a:t>2.2, Determining the vocabulary of terms</a:t>
-            </a:r>
+              <a:t>2.2, Determining the vocabulary of </a:t>
+            </a:r>
+            <a:r>
+              <a:rPr lang="en-US" dirty="0" smtClean="0"/>
+              <a:t>terms</a:t>
+            </a:r>
+          </a:p>
+          <a:p>
+            <a:pPr lvl="1"/>
+            <a:r>
+              <a:rPr lang="en-US" dirty="0"/>
+              <a:t>Chapter 5: Index compression</a:t>
+            </a:r>
+          </a:p>
+          <a:p>
+            <a:pPr lvl="2"/>
+            <a:r>
+              <a:rPr lang="en-US" dirty="0"/>
+              <a:t>Section 5.1, Statistical properties of terms in information retrieval</a:t>
+            </a:r>
+          </a:p>
+          <a:p>
+            <a:pPr lvl="1"/>
+            <a:endParaRPr lang="en-US" dirty="0"/>
           </a:p>
         </p:txBody>
       </p:sp>
@@ -18923,7 +22166,7 @@
           <a:p>
             <a:fld id="{93582EC2-63CB-4149-BC8B-E4DB3A07B74B}" type="slidenum">
               <a:rPr lang="en-US" smtClean="0"/>
-              <a:t>37</a:t>
+              <a:t>44</a:t>
             </a:fld>
             <a:endParaRPr lang="en-US"/>
           </a:p>
@@ -18949,7 +22192,7 @@
 </p:sld>
 </file>
 
-<file path=ppt/slides/slide38.xml><?xml version="1.0" encoding="utf-8"?>
+<file path=ppt/slides/slide45.xml><?xml version="1.0" encoding="utf-8"?>
 <p:sld xmlns:a="http://schemas.openxmlformats.org/drawingml/2006/main" xmlns:r="http://schemas.openxmlformats.org/officeDocument/2006/relationships" xmlns:p="http://schemas.openxmlformats.org/presentationml/2006/main">
   <p:cSld>
     <p:spTree>
@@ -19261,7 +22504,7 @@
           <a:p>
             <a:fld id="{93582EC2-63CB-4149-BC8B-E4DB3A07B74B}" type="slidenum">
               <a:rPr lang="en-US" smtClean="0"/>
-              <a:t>38</a:t>
+              <a:t>45</a:t>
             </a:fld>
             <a:endParaRPr lang="en-US"/>
           </a:p>
@@ -19287,7 +22530,7 @@
 </p:sld>
 </file>
 
-<file path=ppt/slides/slide39.xml><?xml version="1.0" encoding="utf-8"?>
+<file path=ppt/slides/slide46.xml><?xml version="1.0" encoding="utf-8"?>
 <p:sld xmlns:a="http://schemas.openxmlformats.org/drawingml/2006/main" xmlns:r="http://schemas.openxmlformats.org/officeDocument/2006/relationships" xmlns:p="http://schemas.openxmlformats.org/presentationml/2006/main">
   <p:cSld>
     <p:spTree>
@@ -19538,7 +22781,7 @@
           <a:p>
             <a:fld id="{93582EC2-63CB-4149-BC8B-E4DB3A07B74B}" type="slidenum">
               <a:rPr lang="en-US" smtClean="0"/>
-              <a:t>39</a:t>
+              <a:t>46</a:t>
             </a:fld>
             <a:endParaRPr lang="en-US"/>
           </a:p>
@@ -19548,260 +22791,6 @@
     <p:extLst>
       <p:ext uri="{BB962C8B-B14F-4D97-AF65-F5344CB8AC3E}">
         <p14:creationId xmlns:p14="http://schemas.microsoft.com/office/powerpoint/2010/main" val="256686634"/>
-      </p:ext>
-    </p:extLst>
-  </p:cSld>
-  <p:clrMapOvr>
-    <a:masterClrMapping/>
-  </p:clrMapOvr>
-  <p:timing>
-    <p:tnLst>
-      <p:par>
-        <p:cTn id="1" dur="indefinite" restart="never" nodeType="tmRoot"/>
-      </p:par>
-    </p:tnLst>
-  </p:timing>
-</p:sld>
-</file>
-
-<file path=ppt/slides/slide4.xml><?xml version="1.0" encoding="utf-8"?>
-<p:sld xmlns:a="http://schemas.openxmlformats.org/drawingml/2006/main" xmlns:r="http://schemas.openxmlformats.org/officeDocument/2006/relationships" xmlns:p="http://schemas.openxmlformats.org/presentationml/2006/main">
-  <p:cSld>
-    <p:spTree>
-      <p:nvGrpSpPr>
-        <p:cNvPr id="1" name=""/>
-        <p:cNvGrpSpPr/>
-        <p:nvPr/>
-      </p:nvGrpSpPr>
-      <p:grpSpPr>
-        <a:xfrm>
-          <a:off x="0" y="0"/>
-          <a:ext cx="0" cy="0"/>
-          <a:chOff x="0" y="0"/>
-          <a:chExt cx="0" cy="0"/>
-        </a:xfrm>
-      </p:grpSpPr>
-      <p:sp>
-        <p:nvSpPr>
-          <p:cNvPr id="2" name="Title 1"/>
-          <p:cNvSpPr>
-            <a:spLocks noGrp="1"/>
-          </p:cNvSpPr>
-          <p:nvPr>
-            <p:ph type="title"/>
-          </p:nvPr>
-        </p:nvSpPr>
-        <p:spPr/>
-        <p:txBody>
-          <a:bodyPr/>
-          <a:lstStyle/>
-          <a:p>
-            <a:r>
-              <a:rPr lang="en-US" dirty="0"/>
-              <a:t>Recap: </a:t>
-            </a:r>
-            <a:r>
-              <a:rPr lang="en-US" altLang="en-US" dirty="0" smtClean="0"/>
-              <a:t>Pull </a:t>
-            </a:r>
-            <a:r>
-              <a:rPr lang="en-US" altLang="en-US" dirty="0" err="1"/>
-              <a:t>v.s</a:t>
-            </a:r>
-            <a:r>
-              <a:rPr lang="en-US" altLang="en-US" dirty="0"/>
-              <a:t>. </a:t>
-            </a:r>
-            <a:r>
-              <a:rPr lang="en-US" altLang="en-US" dirty="0" smtClean="0"/>
-              <a:t>Push in IR</a:t>
-            </a:r>
-            <a:endParaRPr lang="en-US" dirty="0"/>
-          </a:p>
-        </p:txBody>
-      </p:sp>
-      <p:sp>
-        <p:nvSpPr>
-          <p:cNvPr id="3" name="Content Placeholder 2"/>
-          <p:cNvSpPr>
-            <a:spLocks noGrp="1"/>
-          </p:cNvSpPr>
-          <p:nvPr>
-            <p:ph idx="1"/>
-          </p:nvPr>
-        </p:nvSpPr>
-        <p:spPr/>
-        <p:txBody>
-          <a:bodyPr/>
-          <a:lstStyle/>
-          <a:p>
-            <a:r>
-              <a:rPr lang="en-US" altLang="en-US" dirty="0">
-                <a:cs typeface="Arial" charset="0"/>
-              </a:rPr>
-              <a:t>Pull mode – with query</a:t>
-            </a:r>
-          </a:p>
-          <a:p>
-            <a:pPr lvl="1"/>
-            <a:r>
-              <a:rPr lang="en-US" altLang="en-US" dirty="0" smtClean="0">
-                <a:cs typeface="Arial" charset="0"/>
-              </a:rPr>
-              <a:t>User takes the initiative</a:t>
-            </a:r>
-          </a:p>
-          <a:p>
-            <a:pPr lvl="1"/>
-            <a:r>
-              <a:rPr lang="en-US" altLang="en-US" dirty="0" smtClean="0">
-                <a:cs typeface="Arial" charset="0"/>
-              </a:rPr>
-              <a:t>Works </a:t>
-            </a:r>
-            <a:r>
-              <a:rPr lang="en-US" altLang="en-US" dirty="0">
-                <a:cs typeface="Arial" charset="0"/>
-              </a:rPr>
-              <a:t>well when a user has an ad hoc information need</a:t>
-            </a:r>
-          </a:p>
-          <a:p>
-            <a:r>
-              <a:rPr lang="en-US" altLang="en-US" dirty="0">
-                <a:cs typeface="Arial" charset="0"/>
-              </a:rPr>
-              <a:t>Push mode – without </a:t>
-            </a:r>
-            <a:r>
-              <a:rPr lang="en-US" altLang="en-US" dirty="0" smtClean="0">
-                <a:cs typeface="Arial" charset="0"/>
-              </a:rPr>
-              <a:t>query</a:t>
-            </a:r>
-          </a:p>
-          <a:p>
-            <a:pPr lvl="1"/>
-            <a:r>
-              <a:rPr lang="en-US" altLang="en-US" dirty="0" smtClean="0">
-                <a:cs typeface="Arial" charset="0"/>
-              </a:rPr>
-              <a:t>System takes </a:t>
-            </a:r>
-            <a:r>
-              <a:rPr lang="en-US" altLang="en-US" dirty="0">
-                <a:cs typeface="Arial" charset="0"/>
-              </a:rPr>
-              <a:t>the </a:t>
-            </a:r>
-            <a:r>
-              <a:rPr lang="en-US" altLang="en-US" dirty="0" smtClean="0">
-                <a:cs typeface="Arial" charset="0"/>
-              </a:rPr>
-              <a:t>initiative</a:t>
-            </a:r>
-          </a:p>
-          <a:p>
-            <a:pPr lvl="1"/>
-            <a:r>
-              <a:rPr lang="en-US" altLang="en-US" dirty="0">
-                <a:cs typeface="Arial" charset="0"/>
-              </a:rPr>
-              <a:t>Works well when a user has a stable information need or the system has good knowledge about a user’s need</a:t>
-            </a:r>
-            <a:endParaRPr lang="en-US" dirty="0"/>
-          </a:p>
-          <a:p>
-            <a:pPr lvl="1"/>
-            <a:endParaRPr lang="en-US" altLang="en-US" dirty="0">
-              <a:cs typeface="Arial" charset="0"/>
-            </a:endParaRPr>
-          </a:p>
-          <a:p>
-            <a:pPr lvl="1"/>
-            <a:endParaRPr lang="en-US" altLang="en-US" dirty="0">
-              <a:cs typeface="Arial" charset="0"/>
-            </a:endParaRPr>
-          </a:p>
-          <a:p>
-            <a:pPr lvl="1"/>
-            <a:endParaRPr lang="en-US" dirty="0"/>
-          </a:p>
-        </p:txBody>
-      </p:sp>
-      <p:sp>
-        <p:nvSpPr>
-          <p:cNvPr id="4" name="Date Placeholder 3"/>
-          <p:cNvSpPr>
-            <a:spLocks noGrp="1"/>
-          </p:cNvSpPr>
-          <p:nvPr>
-            <p:ph type="dt" sz="half" idx="10"/>
-          </p:nvPr>
-        </p:nvSpPr>
-        <p:spPr/>
-        <p:txBody>
-          <a:bodyPr/>
-          <a:lstStyle/>
-          <a:p>
-            <a:r>
-              <a:rPr lang="en-US" smtClean="0"/>
-              <a:t>CS@UVa</a:t>
-            </a:r>
-            <a:endParaRPr lang="en-US"/>
-          </a:p>
-        </p:txBody>
-      </p:sp>
-      <p:sp>
-        <p:nvSpPr>
-          <p:cNvPr id="5" name="Footer Placeholder 4"/>
-          <p:cNvSpPr>
-            <a:spLocks noGrp="1"/>
-          </p:cNvSpPr>
-          <p:nvPr>
-            <p:ph type="ftr" sz="quarter" idx="11"/>
-          </p:nvPr>
-        </p:nvSpPr>
-        <p:spPr/>
-        <p:txBody>
-          <a:bodyPr/>
-          <a:lstStyle/>
-          <a:p>
-            <a:r>
-              <a:rPr lang="en-US" smtClean="0"/>
-              <a:t>CS4501: Information Retrieval</a:t>
-            </a:r>
-            <a:endParaRPr lang="en-US"/>
-          </a:p>
-        </p:txBody>
-      </p:sp>
-      <p:sp>
-        <p:nvSpPr>
-          <p:cNvPr id="6" name="Slide Number Placeholder 5"/>
-          <p:cNvSpPr>
-            <a:spLocks noGrp="1"/>
-          </p:cNvSpPr>
-          <p:nvPr>
-            <p:ph type="sldNum" sz="quarter" idx="12"/>
-          </p:nvPr>
-        </p:nvSpPr>
-        <p:spPr/>
-        <p:txBody>
-          <a:bodyPr/>
-          <a:lstStyle/>
-          <a:p>
-            <a:fld id="{93582EC2-63CB-4149-BC8B-E4DB3A07B74B}" type="slidenum">
-              <a:rPr lang="en-US" smtClean="0"/>
-              <a:t>4</a:t>
-            </a:fld>
-            <a:endParaRPr lang="en-US"/>
-          </a:p>
-        </p:txBody>
-      </p:sp>
-    </p:spTree>
-    <p:extLst>
-      <p:ext uri="{BB962C8B-B14F-4D97-AF65-F5344CB8AC3E}">
-        <p14:creationId xmlns:p14="http://schemas.microsoft.com/office/powerpoint/2010/main" val="3612933484"/>
       </p:ext>
     </p:extLst>
   </p:cSld>

--- a/docs/Crawler and Text Analysis.pptx
+++ b/docs/Crawler and Text Analysis.pptx
@@ -12223,11 +12223,7 @@
             </a:r>
             <a:r>
               <a:rPr lang="en-US" baseline="30000" dirty="0" smtClean="0"/>
-              <a:t>Cho and Uri </a:t>
-            </a:r>
-            <a:r>
-              <a:rPr lang="en-US" baseline="30000" dirty="0" smtClean="0"/>
-              <a:t>VLDB’07]</a:t>
+              <a:t>Cho and Uri VLDB’07]</a:t>
             </a:r>
           </a:p>
           <a:p>
@@ -12631,11 +12627,7 @@
             <a:pPr lvl="1"/>
             <a:r>
               <a:rPr lang="en-US" dirty="0"/>
-              <a:t>Maximize </a:t>
-            </a:r>
-            <a:r>
-              <a:rPr lang="en-US" dirty="0"/>
-              <a:t>freshness and minimize age of documents in the collection</a:t>
+              <a:t>Maximize freshness and minimize age of documents in the collection</a:t>
             </a:r>
           </a:p>
           <a:p>
@@ -12778,11 +12770,7 @@
           <a:p>
             <a:r>
               <a:rPr lang="en-US" dirty="0" smtClean="0"/>
-              <a:t>Recap: HTML </a:t>
-            </a:r>
-            <a:r>
-              <a:rPr lang="en-US" dirty="0" smtClean="0"/>
-              <a:t>parsing</a:t>
+              <a:t>Recap: HTML parsing</a:t>
             </a:r>
             <a:endParaRPr lang="en-US" dirty="0"/>
           </a:p>
@@ -12812,22 +12800,14 @@
           <a:p>
             <a:r>
               <a:rPr lang="en-US" dirty="0" smtClean="0"/>
-              <a:t>Shallow </a:t>
-            </a:r>
+              <a:t>Shallow parsing</a:t>
+            </a:r>
+          </a:p>
+          <a:p>
+            <a:pPr lvl="1"/>
             <a:r>
               <a:rPr lang="en-US" dirty="0" smtClean="0"/>
-              <a:t>parsing</a:t>
-            </a:r>
-          </a:p>
-          <a:p>
-            <a:pPr lvl="1"/>
-            <a:r>
-              <a:rPr lang="en-US" dirty="0" smtClean="0"/>
-              <a:t>Only </a:t>
-            </a:r>
-            <a:r>
-              <a:rPr lang="en-US" dirty="0" smtClean="0"/>
-              <a:t>keep text between &lt;title&gt;&lt;/title&gt; and &lt;p&gt;&lt;/p&gt;</a:t>
+              <a:t>Only keep text between &lt;title&gt;&lt;/title&gt; and &lt;p&gt;&lt;/p&gt;</a:t>
             </a:r>
           </a:p>
           <a:p>
@@ -12852,21 +12832,13 @@
             <a:pPr lvl="1"/>
             <a:r>
               <a:rPr lang="en-US" dirty="0" smtClean="0"/>
-              <a:t>Wrapper: regular expression for HTML tags’ </a:t>
-            </a:r>
+              <a:t>Wrapper: regular expression for HTML tags’ combination</a:t>
+            </a:r>
+          </a:p>
+          <a:p>
             <a:r>
               <a:rPr lang="en-US" dirty="0" smtClean="0"/>
-              <a:t>combination</a:t>
-            </a:r>
-          </a:p>
-          <a:p>
-            <a:r>
-              <a:rPr lang="en-US" dirty="0" smtClean="0"/>
-              <a:t>Visual </a:t>
-            </a:r>
-            <a:r>
-              <a:rPr lang="en-US" dirty="0" smtClean="0"/>
-              <a:t>parsing </a:t>
+              <a:t>Visual parsing </a:t>
             </a:r>
             <a:r>
               <a:rPr lang="en-US" baseline="30000" dirty="0" smtClean="0"/>
@@ -12877,11 +12849,7 @@
             <a:pPr lvl="1"/>
             <a:r>
               <a:rPr lang="en-US" dirty="0" smtClean="0"/>
-              <a:t>Frequent </a:t>
-            </a:r>
-            <a:r>
-              <a:rPr lang="en-US" dirty="0" smtClean="0"/>
-              <a:t>pattern mining </a:t>
+              <a:t>Frequent pattern mining </a:t>
             </a:r>
             <a:r>
               <a:rPr lang="en-US" dirty="0"/>
@@ -13025,11 +12993,7 @@
           <a:p>
             <a:r>
               <a:rPr lang="en-US" dirty="0" smtClean="0"/>
-              <a:t>Recap: full </a:t>
-            </a:r>
-            <a:r>
-              <a:rPr lang="en-US" dirty="0" smtClean="0"/>
-              <a:t>text </a:t>
+              <a:t>Recap: full text </a:t>
             </a:r>
             <a:r>
               <a:rPr lang="en-US" dirty="0"/>
@@ -13911,8 +13875,8 @@
           </a:p>
         </p:txBody>
       </p:sp>
-      <mc:AlternateContent xmlns:mc="http://schemas.openxmlformats.org/markup-compatibility/2006">
-        <mc:Choice xmlns:a14="http://schemas.microsoft.com/office/drawing/2010/main" Requires="a14">
+      <mc:AlternateContent xmlns:mc="http://schemas.openxmlformats.org/markup-compatibility/2006" xmlns:a14="http://schemas.microsoft.com/office/drawing/2010/main">
+        <mc:Choice Requires="a14">
           <p:sp>
             <p:nvSpPr>
               <p:cNvPr id="3" name="Content Placeholder 2"/>
@@ -14050,7 +14014,7 @@
             </p:txBody>
           </p:sp>
         </mc:Choice>
-        <mc:Fallback>
+        <mc:Fallback xmlns="">
           <p:sp>
             <p:nvSpPr>
               <p:cNvPr id="3" name="Content Placeholder 2"/>
